--- a/0090_ber/rtl/schematic/parallel_recv.pptx
+++ b/0090_ber/rtl/schematic/parallel_recv.pptx
@@ -197,7 +197,7 @@
           <a:p>
             <a:fld id="{B9E5BF02-4A65-43B2-AA51-912306618617}" type="datetimeFigureOut">
               <a:rPr lang="en-US" smtClean="0"/>
-              <a:t>10/6/2017</a:t>
+              <a:t>10/10/2017</a:t>
             </a:fld>
             <a:endParaRPr lang="en-US"/>
           </a:p>
@@ -685,7 +685,7 @@
           <a:p>
             <a:fld id="{F8F920B2-3E99-4C9D-9450-62A3DEC5476B}" type="datetimeFigureOut">
               <a:rPr lang="en-US" smtClean="0"/>
-              <a:t>10/6/2017</a:t>
+              <a:t>10/10/2017</a:t>
             </a:fld>
             <a:endParaRPr lang="en-US"/>
           </a:p>
@@ -855,7 +855,7 @@
           <a:p>
             <a:fld id="{F8F920B2-3E99-4C9D-9450-62A3DEC5476B}" type="datetimeFigureOut">
               <a:rPr lang="en-US" smtClean="0"/>
-              <a:t>10/6/2017</a:t>
+              <a:t>10/10/2017</a:t>
             </a:fld>
             <a:endParaRPr lang="en-US"/>
           </a:p>
@@ -1035,7 +1035,7 @@
           <a:p>
             <a:fld id="{F8F920B2-3E99-4C9D-9450-62A3DEC5476B}" type="datetimeFigureOut">
               <a:rPr lang="en-US" smtClean="0"/>
-              <a:t>10/6/2017</a:t>
+              <a:t>10/10/2017</a:t>
             </a:fld>
             <a:endParaRPr lang="en-US"/>
           </a:p>
@@ -1205,7 +1205,7 @@
           <a:p>
             <a:fld id="{F8F920B2-3E99-4C9D-9450-62A3DEC5476B}" type="datetimeFigureOut">
               <a:rPr lang="en-US" smtClean="0"/>
-              <a:t>10/6/2017</a:t>
+              <a:t>10/10/2017</a:t>
             </a:fld>
             <a:endParaRPr lang="en-US"/>
           </a:p>
@@ -1449,7 +1449,7 @@
           <a:p>
             <a:fld id="{F8F920B2-3E99-4C9D-9450-62A3DEC5476B}" type="datetimeFigureOut">
               <a:rPr lang="en-US" smtClean="0"/>
-              <a:t>10/6/2017</a:t>
+              <a:t>10/10/2017</a:t>
             </a:fld>
             <a:endParaRPr lang="en-US"/>
           </a:p>
@@ -1681,7 +1681,7 @@
           <a:p>
             <a:fld id="{F8F920B2-3E99-4C9D-9450-62A3DEC5476B}" type="datetimeFigureOut">
               <a:rPr lang="en-US" smtClean="0"/>
-              <a:t>10/6/2017</a:t>
+              <a:t>10/10/2017</a:t>
             </a:fld>
             <a:endParaRPr lang="en-US"/>
           </a:p>
@@ -2048,7 +2048,7 @@
           <a:p>
             <a:fld id="{F8F920B2-3E99-4C9D-9450-62A3DEC5476B}" type="datetimeFigureOut">
               <a:rPr lang="en-US" smtClean="0"/>
-              <a:t>10/6/2017</a:t>
+              <a:t>10/10/2017</a:t>
             </a:fld>
             <a:endParaRPr lang="en-US"/>
           </a:p>
@@ -2166,7 +2166,7 @@
           <a:p>
             <a:fld id="{F8F920B2-3E99-4C9D-9450-62A3DEC5476B}" type="datetimeFigureOut">
               <a:rPr lang="en-US" smtClean="0"/>
-              <a:t>10/6/2017</a:t>
+              <a:t>10/10/2017</a:t>
             </a:fld>
             <a:endParaRPr lang="en-US"/>
           </a:p>
@@ -2261,7 +2261,7 @@
           <a:p>
             <a:fld id="{F8F920B2-3E99-4C9D-9450-62A3DEC5476B}" type="datetimeFigureOut">
               <a:rPr lang="en-US" smtClean="0"/>
-              <a:t>10/6/2017</a:t>
+              <a:t>10/10/2017</a:t>
             </a:fld>
             <a:endParaRPr lang="en-US"/>
           </a:p>
@@ -2538,7 +2538,7 @@
           <a:p>
             <a:fld id="{F8F920B2-3E99-4C9D-9450-62A3DEC5476B}" type="datetimeFigureOut">
               <a:rPr lang="en-US" smtClean="0"/>
-              <a:t>10/6/2017</a:t>
+              <a:t>10/10/2017</a:t>
             </a:fld>
             <a:endParaRPr lang="en-US"/>
           </a:p>
@@ -2795,7 +2795,7 @@
           <a:p>
             <a:fld id="{F8F920B2-3E99-4C9D-9450-62A3DEC5476B}" type="datetimeFigureOut">
               <a:rPr lang="en-US" smtClean="0"/>
-              <a:t>10/6/2017</a:t>
+              <a:t>10/10/2017</a:t>
             </a:fld>
             <a:endParaRPr lang="en-US"/>
           </a:p>
@@ -3008,7 +3008,7 @@
           <a:p>
             <a:fld id="{F8F920B2-3E99-4C9D-9450-62A3DEC5476B}" type="datetimeFigureOut">
               <a:rPr lang="en-US" smtClean="0"/>
-              <a:t>10/6/2017</a:t>
+              <a:t>10/10/2017</a:t>
             </a:fld>
             <a:endParaRPr lang="en-US"/>
           </a:p>
@@ -7220,13 +7220,6 @@
               </a:rPr>
               <a:t>64</a:t>
             </a:r>
-            <a:endParaRPr lang="en-US" sz="900" dirty="0">
-              <a:solidFill>
-                <a:srgbClr val="000000"/>
-              </a:solidFill>
-              <a:latin typeface="Courier New" panose="02070309020205020404" pitchFamily="49" charset="0"/>
-              <a:cs typeface="Courier New" panose="02070309020205020404" pitchFamily="49" charset="0"/>
-            </a:endParaRPr>
           </a:p>
         </p:txBody>
       </p:sp>
@@ -7369,13 +7362,6 @@
               </a:rPr>
               <a:t>~64’d0</a:t>
             </a:r>
-            <a:endParaRPr lang="en-US" sz="900" dirty="0">
-              <a:solidFill>
-                <a:srgbClr val="000000"/>
-              </a:solidFill>
-              <a:latin typeface="Courier New" panose="02070309020205020404" pitchFamily="49" charset="0"/>
-              <a:cs typeface="Courier New" panose="02070309020205020404" pitchFamily="49" charset="0"/>
-            </a:endParaRPr>
           </a:p>
         </p:txBody>
       </p:sp>
@@ -7466,13 +7452,6 @@
               </a:rPr>
               <a:t>64</a:t>
             </a:r>
-            <a:endParaRPr lang="en-US" sz="900" dirty="0">
-              <a:solidFill>
-                <a:srgbClr val="000000"/>
-              </a:solidFill>
-              <a:latin typeface="Courier New" panose="02070309020205020404" pitchFamily="49" charset="0"/>
-              <a:cs typeface="Courier New" panose="02070309020205020404" pitchFamily="49" charset="0"/>
-            </a:endParaRPr>
           </a:p>
         </p:txBody>
       </p:sp>
@@ -7710,13 +7689,6 @@
               </a:rPr>
               <a:t>64</a:t>
             </a:r>
-            <a:endParaRPr lang="en-US" sz="900" dirty="0">
-              <a:solidFill>
-                <a:srgbClr val="000000"/>
-              </a:solidFill>
-              <a:latin typeface="Courier New" panose="02070309020205020404" pitchFamily="49" charset="0"/>
-              <a:cs typeface="Courier New" panose="02070309020205020404" pitchFamily="49" charset="0"/>
-            </a:endParaRPr>
           </a:p>
         </p:txBody>
       </p:sp>
@@ -9851,14 +9823,14 @@
           <a:lstStyle/>
           <a:p>
             <a:r>
-              <a:rPr lang="en-US" sz="900" dirty="0" err="1">
+              <a:rPr lang="en-US" sz="900" dirty="0" err="1" smtClean="0">
                 <a:solidFill>
                   <a:srgbClr val="000000"/>
                 </a:solidFill>
                 <a:latin typeface="Courier New" panose="02070309020205020404" pitchFamily="49" charset="0"/>
                 <a:cs typeface="Courier New" panose="02070309020205020404" pitchFamily="49" charset="0"/>
               </a:rPr>
-              <a:t>recv_cnt</a:t>
+              <a:t>rcnt</a:t>
             </a:r>
             <a:endParaRPr lang="en-US" sz="900" dirty="0">
               <a:solidFill>
@@ -10250,13 +10222,6 @@
               </a:rPr>
               <a:t>64</a:t>
             </a:r>
-            <a:endParaRPr lang="en-US" sz="900" dirty="0">
-              <a:solidFill>
-                <a:srgbClr val="000000"/>
-              </a:solidFill>
-              <a:latin typeface="Courier New" panose="02070309020205020404" pitchFamily="49" charset="0"/>
-              <a:cs typeface="Courier New" panose="02070309020205020404" pitchFamily="49" charset="0"/>
-            </a:endParaRPr>
           </a:p>
         </p:txBody>
       </p:sp>
@@ -11284,13 +11249,6 @@
               </a:rPr>
               <a:t>INIT</a:t>
             </a:r>
-            <a:endParaRPr lang="en-US" sz="900" dirty="0">
-              <a:solidFill>
-                <a:srgbClr val="000000"/>
-              </a:solidFill>
-              <a:latin typeface="Courier New" panose="02070309020205020404" pitchFamily="49" charset="0"/>
-              <a:cs typeface="Courier New" panose="02070309020205020404" pitchFamily="49" charset="0"/>
-            </a:endParaRPr>
           </a:p>
         </p:txBody>
       </p:sp>
@@ -11814,13 +11772,6 @@
               </a:rPr>
               <a:t>64’b0</a:t>
             </a:r>
-            <a:endParaRPr lang="en-US" sz="900" dirty="0">
-              <a:solidFill>
-                <a:srgbClr val="000000"/>
-              </a:solidFill>
-              <a:latin typeface="Courier New" panose="02070309020205020404" pitchFamily="49" charset="0"/>
-              <a:cs typeface="Courier New" panose="02070309020205020404" pitchFamily="49" charset="0"/>
-            </a:endParaRPr>
           </a:p>
         </p:txBody>
       </p:sp>
@@ -12422,13 +12373,6 @@
               </a:rPr>
               <a:t>64’d0</a:t>
             </a:r>
-            <a:endParaRPr lang="en-US" sz="900" dirty="0">
-              <a:solidFill>
-                <a:srgbClr val="000000"/>
-              </a:solidFill>
-              <a:latin typeface="Courier New" panose="02070309020205020404" pitchFamily="49" charset="0"/>
-              <a:cs typeface="Courier New" panose="02070309020205020404" pitchFamily="49" charset="0"/>
-            </a:endParaRPr>
           </a:p>
         </p:txBody>
       </p:sp>
@@ -12671,13 +12615,6 @@
               </a:rPr>
               <a:t>64’d0</a:t>
             </a:r>
-            <a:endParaRPr lang="en-US" sz="900" dirty="0">
-              <a:solidFill>
-                <a:srgbClr val="000000"/>
-              </a:solidFill>
-              <a:latin typeface="Courier New" panose="02070309020205020404" pitchFamily="49" charset="0"/>
-              <a:cs typeface="Courier New" panose="02070309020205020404" pitchFamily="49" charset="0"/>
-            </a:endParaRPr>
           </a:p>
         </p:txBody>
       </p:sp>
@@ -13265,15 +13202,22 @@
           <a:lstStyle/>
           <a:p>
             <a:r>
-              <a:rPr lang="en-US" sz="900" dirty="0">
+              <a:rPr lang="en-US" sz="900" dirty="0" smtClean="0">
                 <a:solidFill>
                   <a:srgbClr val="000000"/>
                 </a:solidFill>
                 <a:latin typeface="Courier New" panose="02070309020205020404" pitchFamily="49" charset="0"/>
                 <a:cs typeface="Courier New" panose="02070309020205020404" pitchFamily="49" charset="0"/>
               </a:rPr>
-              <a:t>recv_cnt_m1</a:t>
-            </a:r>
+              <a:t>rcnt_m1</a:t>
+            </a:r>
+            <a:endParaRPr lang="en-US" sz="900" dirty="0">
+              <a:solidFill>
+                <a:srgbClr val="000000"/>
+              </a:solidFill>
+              <a:latin typeface="Courier New" panose="02070309020205020404" pitchFamily="49" charset="0"/>
+              <a:cs typeface="Courier New" panose="02070309020205020404" pitchFamily="49" charset="0"/>
+            </a:endParaRPr>
           </a:p>
         </p:txBody>
       </p:sp>
@@ -13364,13 +13308,6 @@
               </a:rPr>
               <a:t>64</a:t>
             </a:r>
-            <a:endParaRPr lang="en-US" sz="900" dirty="0">
-              <a:solidFill>
-                <a:srgbClr val="000000"/>
-              </a:solidFill>
-              <a:latin typeface="Courier New" panose="02070309020205020404" pitchFamily="49" charset="0"/>
-              <a:cs typeface="Courier New" panose="02070309020205020404" pitchFamily="49" charset="0"/>
-            </a:endParaRPr>
           </a:p>
         </p:txBody>
       </p:sp>
@@ -13907,13 +13844,6 @@
               </a:rPr>
               <a:t>CLK</a:t>
             </a:r>
-            <a:endParaRPr lang="en-US" sz="900" dirty="0">
-              <a:solidFill>
-                <a:srgbClr val="000000"/>
-              </a:solidFill>
-              <a:latin typeface="Courier New" panose="02070309020205020404" pitchFamily="49" charset="0"/>
-              <a:cs typeface="Courier New" panose="02070309020205020404" pitchFamily="49" charset="0"/>
-            </a:endParaRPr>
           </a:p>
         </p:txBody>
       </p:sp>
@@ -14419,13 +14349,6 @@
               </a:rPr>
               <a:t>RSTX</a:t>
             </a:r>
-            <a:endParaRPr lang="en-US" sz="900" dirty="0">
-              <a:solidFill>
-                <a:srgbClr val="000000"/>
-              </a:solidFill>
-              <a:latin typeface="Courier New" panose="02070309020205020404" pitchFamily="49" charset="0"/>
-              <a:cs typeface="Courier New" panose="02070309020205020404" pitchFamily="49" charset="0"/>
-            </a:endParaRPr>
           </a:p>
         </p:txBody>
       </p:sp>
@@ -15132,13 +15055,6 @@
               </a:rPr>
               <a:t>init_d1</a:t>
             </a:r>
-            <a:endParaRPr lang="en-US" sz="900" dirty="0">
-              <a:solidFill>
-                <a:srgbClr val="000000"/>
-              </a:solidFill>
-              <a:latin typeface="Courier New" panose="02070309020205020404" pitchFamily="49" charset="0"/>
-              <a:cs typeface="Courier New" panose="02070309020205020404" pitchFamily="49" charset="0"/>
-            </a:endParaRPr>
           </a:p>
         </p:txBody>
       </p:sp>
@@ -15246,13 +15162,6 @@
               </a:rPr>
               <a:t>mismatch</a:t>
             </a:r>
-            <a:endParaRPr lang="en-US" sz="900" dirty="0">
-              <a:solidFill>
-                <a:srgbClr val="000000"/>
-              </a:solidFill>
-              <a:latin typeface="Courier New" panose="02070309020205020404" pitchFamily="49" charset="0"/>
-              <a:cs typeface="Courier New" panose="02070309020205020404" pitchFamily="49" charset="0"/>
-            </a:endParaRPr>
           </a:p>
         </p:txBody>
       </p:sp>
@@ -15421,13 +15330,6 @@
               </a:rPr>
               <a:t>6</a:t>
             </a:r>
-            <a:endParaRPr lang="en-US" sz="900" dirty="0">
-              <a:solidFill>
-                <a:srgbClr val="000000"/>
-              </a:solidFill>
-              <a:latin typeface="Courier New" panose="02070309020205020404" pitchFamily="49" charset="0"/>
-              <a:cs typeface="Courier New" panose="02070309020205020404" pitchFamily="49" charset="0"/>
-            </a:endParaRPr>
           </a:p>
         </p:txBody>
       </p:sp>
@@ -15650,13 +15552,6 @@
               </a:rPr>
               <a:t>59’d0</a:t>
             </a:r>
-            <a:endParaRPr lang="en-US" sz="900" dirty="0">
-              <a:solidFill>
-                <a:srgbClr val="000000"/>
-              </a:solidFill>
-              <a:latin typeface="Courier New" panose="02070309020205020404" pitchFamily="49" charset="0"/>
-              <a:cs typeface="Courier New" panose="02070309020205020404" pitchFamily="49" charset="0"/>
-            </a:endParaRPr>
           </a:p>
         </p:txBody>
       </p:sp>
@@ -15747,13 +15642,6 @@
               </a:rPr>
               <a:t>65</a:t>
             </a:r>
-            <a:endParaRPr lang="en-US" sz="900" dirty="0">
-              <a:solidFill>
-                <a:srgbClr val="000000"/>
-              </a:solidFill>
-              <a:latin typeface="Courier New" panose="02070309020205020404" pitchFamily="49" charset="0"/>
-              <a:cs typeface="Courier New" panose="02070309020205020404" pitchFamily="49" charset="0"/>
-            </a:endParaRPr>
           </a:p>
         </p:txBody>
       </p:sp>
@@ -16049,13 +15937,6 @@
               </a:rPr>
               <a:t>64</a:t>
             </a:r>
-            <a:endParaRPr lang="en-US" sz="900" dirty="0">
-              <a:solidFill>
-                <a:srgbClr val="000000"/>
-              </a:solidFill>
-              <a:latin typeface="Courier New" panose="02070309020205020404" pitchFamily="49" charset="0"/>
-              <a:cs typeface="Courier New" panose="02070309020205020404" pitchFamily="49" charset="0"/>
-            </a:endParaRPr>
           </a:p>
         </p:txBody>
       </p:sp>
@@ -16146,13 +16027,6 @@
               </a:rPr>
               <a:t>1</a:t>
             </a:r>
-            <a:endParaRPr lang="en-US" sz="900" dirty="0">
-              <a:solidFill>
-                <a:srgbClr val="000000"/>
-              </a:solidFill>
-              <a:latin typeface="Courier New" panose="02070309020205020404" pitchFamily="49" charset="0"/>
-              <a:cs typeface="Courier New" panose="02070309020205020404" pitchFamily="49" charset="0"/>
-            </a:endParaRPr>
           </a:p>
         </p:txBody>
       </p:sp>
@@ -16243,13 +16117,6 @@
               </a:rPr>
               <a:t>65</a:t>
             </a:r>
-            <a:endParaRPr lang="en-US" sz="900" dirty="0">
-              <a:solidFill>
-                <a:srgbClr val="000000"/>
-              </a:solidFill>
-              <a:latin typeface="Courier New" panose="02070309020205020404" pitchFamily="49" charset="0"/>
-              <a:cs typeface="Courier New" panose="02070309020205020404" pitchFamily="49" charset="0"/>
-            </a:endParaRPr>
           </a:p>
         </p:txBody>
       </p:sp>
@@ -16302,13 +16169,6 @@
               </a:rPr>
               <a:t>sum</a:t>
             </a:r>
-            <a:endParaRPr lang="en-US" sz="900" dirty="0">
-              <a:solidFill>
-                <a:srgbClr val="000000"/>
-              </a:solidFill>
-              <a:latin typeface="Courier New" panose="02070309020205020404" pitchFamily="49" charset="0"/>
-              <a:cs typeface="Courier New" panose="02070309020205020404" pitchFamily="49" charset="0"/>
-            </a:endParaRPr>
           </a:p>
         </p:txBody>
       </p:sp>
@@ -16567,8 +16427,8 @@
         </p:nvCxnSpPr>
         <p:spPr>
           <a:xfrm>
-            <a:off x="12801600" y="8001000"/>
-            <a:ext cx="0" cy="762000"/>
+            <a:off x="12801600" y="8077200"/>
+            <a:ext cx="0" cy="685800"/>
           </a:xfrm>
           <a:prstGeom prst="line">
             <a:avLst/>
@@ -16683,13 +16543,6 @@
               </a:rPr>
               <a:t>58</a:t>
             </a:r>
-            <a:endParaRPr lang="en-US" sz="900" dirty="0">
-              <a:solidFill>
-                <a:srgbClr val="000000"/>
-              </a:solidFill>
-              <a:latin typeface="Courier New" panose="02070309020205020404" pitchFamily="49" charset="0"/>
-              <a:cs typeface="Courier New" panose="02070309020205020404" pitchFamily="49" charset="0"/>
-            </a:endParaRPr>
           </a:p>
         </p:txBody>
       </p:sp>
@@ -16742,13 +16595,6 @@
               </a:rPr>
               <a:t>RECV_CNT</a:t>
             </a:r>
-            <a:endParaRPr lang="en-US" sz="900" dirty="0">
-              <a:solidFill>
-                <a:srgbClr val="000000"/>
-              </a:solidFill>
-              <a:latin typeface="Courier New" panose="02070309020205020404" pitchFamily="49" charset="0"/>
-              <a:cs typeface="Courier New" panose="02070309020205020404" pitchFamily="49" charset="0"/>
-            </a:endParaRPr>
           </a:p>
         </p:txBody>
       </p:sp>
@@ -16927,13 +16773,6 @@
               </a:rPr>
               <a:t>58</a:t>
             </a:r>
-            <a:endParaRPr lang="en-US" sz="900" dirty="0">
-              <a:solidFill>
-                <a:srgbClr val="000000"/>
-              </a:solidFill>
-              <a:latin typeface="Courier New" panose="02070309020205020404" pitchFamily="49" charset="0"/>
-              <a:cs typeface="Courier New" panose="02070309020205020404" pitchFamily="49" charset="0"/>
-            </a:endParaRPr>
           </a:p>
         </p:txBody>
       </p:sp>
@@ -17176,13 +17015,6 @@
               </a:rPr>
               <a:t>58’d0</a:t>
             </a:r>
-            <a:endParaRPr lang="en-US" sz="900" dirty="0">
-              <a:solidFill>
-                <a:srgbClr val="000000"/>
-              </a:solidFill>
-              <a:latin typeface="Courier New" panose="02070309020205020404" pitchFamily="49" charset="0"/>
-              <a:cs typeface="Courier New" panose="02070309020205020404" pitchFamily="49" charset="0"/>
-            </a:endParaRPr>
           </a:p>
         </p:txBody>
       </p:sp>
@@ -17393,6 +17225,155 @@
           </a:fontRef>
         </p:style>
       </p:cxnSp>
+      <p:cxnSp>
+        <p:nvCxnSpPr>
+          <p:cNvPr id="316" name="Straight Connector 315"/>
+          <p:cNvCxnSpPr/>
+          <p:nvPr/>
+        </p:nvCxnSpPr>
+        <p:spPr>
+          <a:xfrm flipV="1">
+            <a:off x="12725400" y="6705600"/>
+            <a:ext cx="152400" cy="152404"/>
+          </a:xfrm>
+          <a:prstGeom prst="line">
+            <a:avLst/>
+          </a:prstGeom>
+          <a:ln w="12700">
+            <a:solidFill>
+              <a:srgbClr val="000000"/>
+            </a:solidFill>
+            <a:headEnd type="none" w="med" len="med"/>
+            <a:tailEnd type="none" w="med" len="med"/>
+          </a:ln>
+        </p:spPr>
+        <p:style>
+          <a:lnRef idx="1">
+            <a:schemeClr val="accent1"/>
+          </a:lnRef>
+          <a:fillRef idx="0">
+            <a:schemeClr val="accent1"/>
+          </a:fillRef>
+          <a:effectRef idx="0">
+            <a:schemeClr val="accent1"/>
+          </a:effectRef>
+          <a:fontRef idx="minor">
+            <a:schemeClr val="tx1"/>
+          </a:fontRef>
+        </p:style>
+      </p:cxnSp>
+      <p:sp>
+        <p:nvSpPr>
+          <p:cNvPr id="318" name="Rectangle 317"/>
+          <p:cNvSpPr/>
+          <p:nvPr/>
+        </p:nvSpPr>
+        <p:spPr>
+          <a:xfrm>
+            <a:off x="12649200" y="6705600"/>
+            <a:ext cx="152400" cy="76200"/>
+          </a:xfrm>
+          <a:prstGeom prst="rect">
+            <a:avLst/>
+          </a:prstGeom>
+          <a:noFill/>
+          <a:ln>
+            <a:noFill/>
+          </a:ln>
+        </p:spPr>
+        <p:style>
+          <a:lnRef idx="2">
+            <a:schemeClr val="accent1">
+              <a:shade val="50000"/>
+            </a:schemeClr>
+          </a:lnRef>
+          <a:fillRef idx="1">
+            <a:schemeClr val="accent1"/>
+          </a:fillRef>
+          <a:effectRef idx="0">
+            <a:schemeClr val="accent1"/>
+          </a:effectRef>
+          <a:fontRef idx="minor">
+            <a:schemeClr val="lt1"/>
+          </a:fontRef>
+        </p:style>
+        <p:txBody>
+          <a:bodyPr wrap="none" lIns="45720" rIns="45720" rtlCol="0" anchor="ctr"/>
+          <a:lstStyle/>
+          <a:p>
+            <a:pPr algn="ctr"/>
+            <a:r>
+              <a:rPr lang="en-US" sz="900" dirty="0">
+                <a:solidFill>
+                  <a:srgbClr val="000000"/>
+                </a:solidFill>
+                <a:latin typeface="Courier New" panose="02070309020205020404" pitchFamily="49" charset="0"/>
+                <a:cs typeface="Courier New" panose="02070309020205020404" pitchFamily="49" charset="0"/>
+              </a:rPr>
+              <a:t>1</a:t>
+            </a:r>
+          </a:p>
+        </p:txBody>
+      </p:sp>
+      <p:sp>
+        <p:nvSpPr>
+          <p:cNvPr id="319" name="Rectangle 318"/>
+          <p:cNvSpPr/>
+          <p:nvPr/>
+        </p:nvSpPr>
+        <p:spPr>
+          <a:xfrm>
+            <a:off x="12801600" y="6705600"/>
+            <a:ext cx="457200" cy="152400"/>
+          </a:xfrm>
+          <a:prstGeom prst="rect">
+            <a:avLst/>
+          </a:prstGeom>
+          <a:noFill/>
+          <a:ln>
+            <a:noFill/>
+          </a:ln>
+        </p:spPr>
+        <p:style>
+          <a:lnRef idx="2">
+            <a:schemeClr val="accent1">
+              <a:shade val="50000"/>
+            </a:schemeClr>
+          </a:lnRef>
+          <a:fillRef idx="1">
+            <a:schemeClr val="accent1"/>
+          </a:fillRef>
+          <a:effectRef idx="0">
+            <a:schemeClr val="accent1"/>
+          </a:effectRef>
+          <a:fontRef idx="minor">
+            <a:schemeClr val="lt1"/>
+          </a:fontRef>
+        </p:style>
+        <p:txBody>
+          <a:bodyPr wrap="none" lIns="45720" rIns="45720" rtlCol="0" anchor="ctr"/>
+          <a:lstStyle/>
+          <a:p>
+            <a:r>
+              <a:rPr lang="en-US" sz="900" dirty="0" err="1" smtClean="0">
+                <a:solidFill>
+                  <a:srgbClr val="000000"/>
+                </a:solidFill>
+                <a:latin typeface="Courier New" panose="02070309020205020404" pitchFamily="49" charset="0"/>
+                <a:cs typeface="Courier New" panose="02070309020205020404" pitchFamily="49" charset="0"/>
+              </a:rPr>
+              <a:t>recv</a:t>
+            </a:r>
+            <a:endParaRPr lang="en-US" sz="900" dirty="0">
+              <a:solidFill>
+                <a:srgbClr val="000000"/>
+              </a:solidFill>
+              <a:latin typeface="Courier New" panose="02070309020205020404" pitchFamily="49" charset="0"/>
+              <a:cs typeface="Courier New" panose="02070309020205020404" pitchFamily="49" charset="0"/>
+            </a:endParaRPr>
+          </a:p>
+        </p:txBody>
+      </p:sp>
     </p:spTree>
     <p:extLst>
       <p:ext uri="{BB962C8B-B14F-4D97-AF65-F5344CB8AC3E}">

--- a/0090_ber/rtl/schematic/parallel_recv.pptx
+++ b/0090_ber/rtl/schematic/parallel_recv.pptx
@@ -2,7 +2,7 @@
 <file path=ppt/presentation.xml><?xml version="1.0" encoding="utf-8"?>
 <p:presentation xmlns:a="http://schemas.openxmlformats.org/drawingml/2006/main" xmlns:r="http://schemas.openxmlformats.org/officeDocument/2006/relationships" xmlns:p="http://schemas.openxmlformats.org/presentationml/2006/main" saveSubsetFonts="1">
   <p:sldMasterIdLst>
-    <p:sldMasterId id="2147484429" r:id="rId1"/>
+    <p:sldMasterId id="2147484477" r:id="rId1"/>
   </p:sldMasterIdLst>
   <p:notesMasterIdLst>
     <p:notesMasterId r:id="rId3"/>
@@ -197,7 +197,7 @@
           <a:p>
             <a:fld id="{B9E5BF02-4A65-43B2-AA51-912306618617}" type="datetimeFigureOut">
               <a:rPr lang="en-US" smtClean="0"/>
-              <a:t>10/10/2017</a:t>
+              <a:t>10/12/2017</a:t>
             </a:fld>
             <a:endParaRPr lang="en-US"/>
           </a:p>
@@ -685,7 +685,7 @@
           <a:p>
             <a:fld id="{F8F920B2-3E99-4C9D-9450-62A3DEC5476B}" type="datetimeFigureOut">
               <a:rPr lang="en-US" smtClean="0"/>
-              <a:t>10/10/2017</a:t>
+              <a:t>10/12/2017</a:t>
             </a:fld>
             <a:endParaRPr lang="en-US"/>
           </a:p>
@@ -736,7 +736,7 @@
     </p:spTree>
     <p:extLst>
       <p:ext uri="{BB962C8B-B14F-4D97-AF65-F5344CB8AC3E}">
-        <p14:creationId xmlns:p14="http://schemas.microsoft.com/office/powerpoint/2010/main" val="999853051"/>
+        <p14:creationId xmlns:p14="http://schemas.microsoft.com/office/powerpoint/2010/main" val="3110225325"/>
       </p:ext>
     </p:extLst>
   </p:cSld>
@@ -855,7 +855,7 @@
           <a:p>
             <a:fld id="{F8F920B2-3E99-4C9D-9450-62A3DEC5476B}" type="datetimeFigureOut">
               <a:rPr lang="en-US" smtClean="0"/>
-              <a:t>10/10/2017</a:t>
+              <a:t>10/12/2017</a:t>
             </a:fld>
             <a:endParaRPr lang="en-US"/>
           </a:p>
@@ -906,7 +906,7 @@
     </p:spTree>
     <p:extLst>
       <p:ext uri="{BB962C8B-B14F-4D97-AF65-F5344CB8AC3E}">
-        <p14:creationId xmlns:p14="http://schemas.microsoft.com/office/powerpoint/2010/main" val="1613025579"/>
+        <p14:creationId xmlns:p14="http://schemas.microsoft.com/office/powerpoint/2010/main" val="2682044119"/>
       </p:ext>
     </p:extLst>
   </p:cSld>
@@ -1035,7 +1035,7 @@
           <a:p>
             <a:fld id="{F8F920B2-3E99-4C9D-9450-62A3DEC5476B}" type="datetimeFigureOut">
               <a:rPr lang="en-US" smtClean="0"/>
-              <a:t>10/10/2017</a:t>
+              <a:t>10/12/2017</a:t>
             </a:fld>
             <a:endParaRPr lang="en-US"/>
           </a:p>
@@ -1086,7 +1086,7 @@
     </p:spTree>
     <p:extLst>
       <p:ext uri="{BB962C8B-B14F-4D97-AF65-F5344CB8AC3E}">
-        <p14:creationId xmlns:p14="http://schemas.microsoft.com/office/powerpoint/2010/main" val="260477168"/>
+        <p14:creationId xmlns:p14="http://schemas.microsoft.com/office/powerpoint/2010/main" val="4049882802"/>
       </p:ext>
     </p:extLst>
   </p:cSld>
@@ -1205,7 +1205,7 @@
           <a:p>
             <a:fld id="{F8F920B2-3E99-4C9D-9450-62A3DEC5476B}" type="datetimeFigureOut">
               <a:rPr lang="en-US" smtClean="0"/>
-              <a:t>10/10/2017</a:t>
+              <a:t>10/12/2017</a:t>
             </a:fld>
             <a:endParaRPr lang="en-US"/>
           </a:p>
@@ -1256,7 +1256,7 @@
     </p:spTree>
     <p:extLst>
       <p:ext uri="{BB962C8B-B14F-4D97-AF65-F5344CB8AC3E}">
-        <p14:creationId xmlns:p14="http://schemas.microsoft.com/office/powerpoint/2010/main" val="4154760616"/>
+        <p14:creationId xmlns:p14="http://schemas.microsoft.com/office/powerpoint/2010/main" val="2632949318"/>
       </p:ext>
     </p:extLst>
   </p:cSld>
@@ -1449,7 +1449,7 @@
           <a:p>
             <a:fld id="{F8F920B2-3E99-4C9D-9450-62A3DEC5476B}" type="datetimeFigureOut">
               <a:rPr lang="en-US" smtClean="0"/>
-              <a:t>10/10/2017</a:t>
+              <a:t>10/12/2017</a:t>
             </a:fld>
             <a:endParaRPr lang="en-US"/>
           </a:p>
@@ -1500,7 +1500,7 @@
     </p:spTree>
     <p:extLst>
       <p:ext uri="{BB962C8B-B14F-4D97-AF65-F5344CB8AC3E}">
-        <p14:creationId xmlns:p14="http://schemas.microsoft.com/office/powerpoint/2010/main" val="2512766555"/>
+        <p14:creationId xmlns:p14="http://schemas.microsoft.com/office/powerpoint/2010/main" val="1453086793"/>
       </p:ext>
     </p:extLst>
   </p:cSld>
@@ -1681,7 +1681,7 @@
           <a:p>
             <a:fld id="{F8F920B2-3E99-4C9D-9450-62A3DEC5476B}" type="datetimeFigureOut">
               <a:rPr lang="en-US" smtClean="0"/>
-              <a:t>10/10/2017</a:t>
+              <a:t>10/12/2017</a:t>
             </a:fld>
             <a:endParaRPr lang="en-US"/>
           </a:p>
@@ -1732,7 +1732,7 @@
     </p:spTree>
     <p:extLst>
       <p:ext uri="{BB962C8B-B14F-4D97-AF65-F5344CB8AC3E}">
-        <p14:creationId xmlns:p14="http://schemas.microsoft.com/office/powerpoint/2010/main" val="3722428989"/>
+        <p14:creationId xmlns:p14="http://schemas.microsoft.com/office/powerpoint/2010/main" val="1505760829"/>
       </p:ext>
     </p:extLst>
   </p:cSld>
@@ -2048,7 +2048,7 @@
           <a:p>
             <a:fld id="{F8F920B2-3E99-4C9D-9450-62A3DEC5476B}" type="datetimeFigureOut">
               <a:rPr lang="en-US" smtClean="0"/>
-              <a:t>10/10/2017</a:t>
+              <a:t>10/12/2017</a:t>
             </a:fld>
             <a:endParaRPr lang="en-US"/>
           </a:p>
@@ -2099,7 +2099,7 @@
     </p:spTree>
     <p:extLst>
       <p:ext uri="{BB962C8B-B14F-4D97-AF65-F5344CB8AC3E}">
-        <p14:creationId xmlns:p14="http://schemas.microsoft.com/office/powerpoint/2010/main" val="415669485"/>
+        <p14:creationId xmlns:p14="http://schemas.microsoft.com/office/powerpoint/2010/main" val="1653030180"/>
       </p:ext>
     </p:extLst>
   </p:cSld>
@@ -2166,7 +2166,7 @@
           <a:p>
             <a:fld id="{F8F920B2-3E99-4C9D-9450-62A3DEC5476B}" type="datetimeFigureOut">
               <a:rPr lang="en-US" smtClean="0"/>
-              <a:t>10/10/2017</a:t>
+              <a:t>10/12/2017</a:t>
             </a:fld>
             <a:endParaRPr lang="en-US"/>
           </a:p>
@@ -2217,7 +2217,7 @@
     </p:spTree>
     <p:extLst>
       <p:ext uri="{BB962C8B-B14F-4D97-AF65-F5344CB8AC3E}">
-        <p14:creationId xmlns:p14="http://schemas.microsoft.com/office/powerpoint/2010/main" val="2681430749"/>
+        <p14:creationId xmlns:p14="http://schemas.microsoft.com/office/powerpoint/2010/main" val="2725353797"/>
       </p:ext>
     </p:extLst>
   </p:cSld>
@@ -2261,7 +2261,7 @@
           <a:p>
             <a:fld id="{F8F920B2-3E99-4C9D-9450-62A3DEC5476B}" type="datetimeFigureOut">
               <a:rPr lang="en-US" smtClean="0"/>
-              <a:t>10/10/2017</a:t>
+              <a:t>10/12/2017</a:t>
             </a:fld>
             <a:endParaRPr lang="en-US"/>
           </a:p>
@@ -2312,7 +2312,7 @@
     </p:spTree>
     <p:extLst>
       <p:ext uri="{BB962C8B-B14F-4D97-AF65-F5344CB8AC3E}">
-        <p14:creationId xmlns:p14="http://schemas.microsoft.com/office/powerpoint/2010/main" val="1096439965"/>
+        <p14:creationId xmlns:p14="http://schemas.microsoft.com/office/powerpoint/2010/main" val="3639173391"/>
       </p:ext>
     </p:extLst>
   </p:cSld>
@@ -2538,7 +2538,7 @@
           <a:p>
             <a:fld id="{F8F920B2-3E99-4C9D-9450-62A3DEC5476B}" type="datetimeFigureOut">
               <a:rPr lang="en-US" smtClean="0"/>
-              <a:t>10/10/2017</a:t>
+              <a:t>10/12/2017</a:t>
             </a:fld>
             <a:endParaRPr lang="en-US"/>
           </a:p>
@@ -2589,7 +2589,7 @@
     </p:spTree>
     <p:extLst>
       <p:ext uri="{BB962C8B-B14F-4D97-AF65-F5344CB8AC3E}">
-        <p14:creationId xmlns:p14="http://schemas.microsoft.com/office/powerpoint/2010/main" val="786681563"/>
+        <p14:creationId xmlns:p14="http://schemas.microsoft.com/office/powerpoint/2010/main" val="343775935"/>
       </p:ext>
     </p:extLst>
   </p:cSld>
@@ -2795,7 +2795,7 @@
           <a:p>
             <a:fld id="{F8F920B2-3E99-4C9D-9450-62A3DEC5476B}" type="datetimeFigureOut">
               <a:rPr lang="en-US" smtClean="0"/>
-              <a:t>10/10/2017</a:t>
+              <a:t>10/12/2017</a:t>
             </a:fld>
             <a:endParaRPr lang="en-US"/>
           </a:p>
@@ -2846,7 +2846,7 @@
     </p:spTree>
     <p:extLst>
       <p:ext uri="{BB962C8B-B14F-4D97-AF65-F5344CB8AC3E}">
-        <p14:creationId xmlns:p14="http://schemas.microsoft.com/office/powerpoint/2010/main" val="569213892"/>
+        <p14:creationId xmlns:p14="http://schemas.microsoft.com/office/powerpoint/2010/main" val="640264244"/>
       </p:ext>
     </p:extLst>
   </p:cSld>
@@ -3008,7 +3008,7 @@
           <a:p>
             <a:fld id="{F8F920B2-3E99-4C9D-9450-62A3DEC5476B}" type="datetimeFigureOut">
               <a:rPr lang="en-US" smtClean="0"/>
-              <a:t>10/10/2017</a:t>
+              <a:t>10/12/2017</a:t>
             </a:fld>
             <a:endParaRPr lang="en-US"/>
           </a:p>
@@ -3095,23 +3095,23 @@
     </p:spTree>
     <p:extLst>
       <p:ext uri="{BB962C8B-B14F-4D97-AF65-F5344CB8AC3E}">
-        <p14:creationId xmlns:p14="http://schemas.microsoft.com/office/powerpoint/2010/main" val="1456676184"/>
+        <p14:creationId xmlns:p14="http://schemas.microsoft.com/office/powerpoint/2010/main" val="1918039457"/>
       </p:ext>
     </p:extLst>
   </p:cSld>
   <p:clrMap bg1="lt1" tx1="dk1" bg2="lt2" tx2="dk2" accent1="accent1" accent2="accent2" accent3="accent3" accent4="accent4" accent5="accent5" accent6="accent6" hlink="hlink" folHlink="folHlink"/>
   <p:sldLayoutIdLst>
-    <p:sldLayoutId id="2147484430" r:id="rId1"/>
-    <p:sldLayoutId id="2147484431" r:id="rId2"/>
-    <p:sldLayoutId id="2147484432" r:id="rId3"/>
-    <p:sldLayoutId id="2147484433" r:id="rId4"/>
-    <p:sldLayoutId id="2147484434" r:id="rId5"/>
-    <p:sldLayoutId id="2147484435" r:id="rId6"/>
-    <p:sldLayoutId id="2147484436" r:id="rId7"/>
-    <p:sldLayoutId id="2147484437" r:id="rId8"/>
-    <p:sldLayoutId id="2147484438" r:id="rId9"/>
-    <p:sldLayoutId id="2147484439" r:id="rId10"/>
-    <p:sldLayoutId id="2147484440" r:id="rId11"/>
+    <p:sldLayoutId id="2147484478" r:id="rId1"/>
+    <p:sldLayoutId id="2147484479" r:id="rId2"/>
+    <p:sldLayoutId id="2147484480" r:id="rId3"/>
+    <p:sldLayoutId id="2147484481" r:id="rId4"/>
+    <p:sldLayoutId id="2147484482" r:id="rId5"/>
+    <p:sldLayoutId id="2147484483" r:id="rId6"/>
+    <p:sldLayoutId id="2147484484" r:id="rId7"/>
+    <p:sldLayoutId id="2147484485" r:id="rId8"/>
+    <p:sldLayoutId id="2147484486" r:id="rId9"/>
+    <p:sldLayoutId id="2147484487" r:id="rId10"/>
+    <p:sldLayoutId id="2147484488" r:id="rId11"/>
   </p:sldLayoutIdLst>
   <p:txStyles>
     <p:titleStyle>
@@ -3421,7 +3421,7 @@
         </p:nvSpPr>
         <p:spPr>
           <a:xfrm>
-            <a:off x="533400" y="1371600"/>
+            <a:off x="533400" y="1676400"/>
             <a:ext cx="1524000" cy="228600"/>
           </a:xfrm>
           <a:prstGeom prst="roundRect">
@@ -3486,7 +3486,7 @@
         </p:nvCxnSpPr>
         <p:spPr>
           <a:xfrm>
-            <a:off x="13868400" y="2590800"/>
+            <a:off x="13868400" y="2895600"/>
             <a:ext cx="304800" cy="0"/>
           </a:xfrm>
           <a:prstGeom prst="line">
@@ -3523,7 +3523,7 @@
         </p:nvSpPr>
         <p:spPr>
           <a:xfrm>
-            <a:off x="13411200" y="2438400"/>
+            <a:off x="13411200" y="2743200"/>
             <a:ext cx="457200" cy="76200"/>
           </a:xfrm>
           <a:prstGeom prst="rect">
@@ -3576,7 +3576,7 @@
         </p:nvCxnSpPr>
         <p:spPr>
           <a:xfrm flipV="1">
-            <a:off x="14173200" y="2362200"/>
+            <a:off x="14173200" y="2667000"/>
             <a:ext cx="0" cy="228600"/>
           </a:xfrm>
           <a:prstGeom prst="line">
@@ -3613,7 +3613,7 @@
         </p:nvCxnSpPr>
         <p:spPr>
           <a:xfrm>
-            <a:off x="14173200" y="2362200"/>
+            <a:off x="14173200" y="2667000"/>
             <a:ext cx="304800" cy="0"/>
           </a:xfrm>
           <a:prstGeom prst="line">
@@ -3650,7 +3650,7 @@
         </p:nvCxnSpPr>
         <p:spPr>
           <a:xfrm>
-            <a:off x="14478000" y="2590800"/>
+            <a:off x="14478000" y="2895600"/>
             <a:ext cx="609600" cy="0"/>
           </a:xfrm>
           <a:prstGeom prst="line">
@@ -3687,7 +3687,7 @@
         </p:nvCxnSpPr>
         <p:spPr>
           <a:xfrm flipV="1">
-            <a:off x="14478000" y="2362200"/>
+            <a:off x="14478000" y="2667000"/>
             <a:ext cx="0" cy="228600"/>
           </a:xfrm>
           <a:prstGeom prst="line">
@@ -3724,7 +3724,7 @@
         </p:nvCxnSpPr>
         <p:spPr>
           <a:xfrm flipV="1">
-            <a:off x="15087600" y="2362200"/>
+            <a:off x="15087600" y="2667000"/>
             <a:ext cx="0" cy="228600"/>
           </a:xfrm>
           <a:prstGeom prst="line">
@@ -3761,7 +3761,7 @@
         </p:nvCxnSpPr>
         <p:spPr>
           <a:xfrm>
-            <a:off x="15087600" y="2362200"/>
+            <a:off x="15087600" y="2667000"/>
             <a:ext cx="304800" cy="0"/>
           </a:xfrm>
           <a:prstGeom prst="line">
@@ -3798,7 +3798,7 @@
         </p:nvCxnSpPr>
         <p:spPr>
           <a:xfrm>
-            <a:off x="15392400" y="2590800"/>
+            <a:off x="15392400" y="2895600"/>
             <a:ext cx="609600" cy="0"/>
           </a:xfrm>
           <a:prstGeom prst="line">
@@ -3835,7 +3835,7 @@
         </p:nvCxnSpPr>
         <p:spPr>
           <a:xfrm flipV="1">
-            <a:off x="15392400" y="2362200"/>
+            <a:off x="15392400" y="2667000"/>
             <a:ext cx="0" cy="228600"/>
           </a:xfrm>
           <a:prstGeom prst="line">
@@ -3872,7 +3872,7 @@
         </p:nvCxnSpPr>
         <p:spPr>
           <a:xfrm flipV="1">
-            <a:off x="16002000" y="2362200"/>
+            <a:off x="16002000" y="2667000"/>
             <a:ext cx="0" cy="228600"/>
           </a:xfrm>
           <a:prstGeom prst="line">
@@ -3909,7 +3909,7 @@
         </p:nvCxnSpPr>
         <p:spPr>
           <a:xfrm>
-            <a:off x="16002000" y="2362200"/>
+            <a:off x="16002000" y="2667000"/>
             <a:ext cx="304800" cy="0"/>
           </a:xfrm>
           <a:prstGeom prst="line">
@@ -3946,7 +3946,7 @@
         </p:nvCxnSpPr>
         <p:spPr>
           <a:xfrm>
-            <a:off x="16306800" y="2590800"/>
+            <a:off x="16306800" y="2895600"/>
             <a:ext cx="609600" cy="0"/>
           </a:xfrm>
           <a:prstGeom prst="line">
@@ -3983,7 +3983,7 @@
         </p:nvCxnSpPr>
         <p:spPr>
           <a:xfrm flipV="1">
-            <a:off x="16306800" y="2362200"/>
+            <a:off x="16306800" y="2667000"/>
             <a:ext cx="0" cy="228600"/>
           </a:xfrm>
           <a:prstGeom prst="line">
@@ -4020,7 +4020,7 @@
         </p:nvSpPr>
         <p:spPr>
           <a:xfrm>
-            <a:off x="13411200" y="2743200"/>
+            <a:off x="13411200" y="3048000"/>
             <a:ext cx="457200" cy="76200"/>
           </a:xfrm>
           <a:prstGeom prst="rect">
@@ -4073,7 +4073,7 @@
         </p:nvCxnSpPr>
         <p:spPr>
           <a:xfrm>
-            <a:off x="13868400" y="2667000"/>
+            <a:off x="13868400" y="2971800"/>
             <a:ext cx="3048000" cy="0"/>
           </a:xfrm>
           <a:prstGeom prst="line">
@@ -4110,7 +4110,7 @@
         </p:nvCxnSpPr>
         <p:spPr>
           <a:xfrm>
-            <a:off x="13868400" y="2895600"/>
+            <a:off x="13868400" y="3200400"/>
             <a:ext cx="3048000" cy="0"/>
           </a:xfrm>
           <a:prstGeom prst="line">
@@ -4147,7 +4147,7 @@
         </p:nvCxnSpPr>
         <p:spPr>
           <a:xfrm flipV="1">
-            <a:off x="14173200" y="2667000"/>
+            <a:off x="14173200" y="2971800"/>
             <a:ext cx="76200" cy="228600"/>
           </a:xfrm>
           <a:prstGeom prst="line">
@@ -4184,7 +4184,7 @@
         </p:nvCxnSpPr>
         <p:spPr>
           <a:xfrm flipH="1" flipV="1">
-            <a:off x="14173200" y="2667000"/>
+            <a:off x="14173200" y="2971800"/>
             <a:ext cx="76200" cy="228600"/>
           </a:xfrm>
           <a:prstGeom prst="line">
@@ -4221,7 +4221,7 @@
         </p:nvCxnSpPr>
         <p:spPr>
           <a:xfrm flipV="1">
-            <a:off x="15087600" y="2667000"/>
+            <a:off x="15087600" y="2971800"/>
             <a:ext cx="76200" cy="228600"/>
           </a:xfrm>
           <a:prstGeom prst="line">
@@ -4258,7 +4258,7 @@
         </p:nvCxnSpPr>
         <p:spPr>
           <a:xfrm flipH="1" flipV="1">
-            <a:off x="15087600" y="2667000"/>
+            <a:off x="15087600" y="2971800"/>
             <a:ext cx="76200" cy="228600"/>
           </a:xfrm>
           <a:prstGeom prst="line">
@@ -4295,7 +4295,7 @@
         </p:nvCxnSpPr>
         <p:spPr>
           <a:xfrm flipV="1">
-            <a:off x="16002000" y="2667000"/>
+            <a:off x="16002000" y="2971800"/>
             <a:ext cx="76200" cy="228600"/>
           </a:xfrm>
           <a:prstGeom prst="line">
@@ -4332,7 +4332,7 @@
         </p:nvCxnSpPr>
         <p:spPr>
           <a:xfrm flipH="1" flipV="1">
-            <a:off x="16002000" y="2667000"/>
+            <a:off x="16002000" y="2971800"/>
             <a:ext cx="76200" cy="228600"/>
           </a:xfrm>
           <a:prstGeom prst="line">
@@ -4369,7 +4369,7 @@
         </p:nvSpPr>
         <p:spPr>
           <a:xfrm>
-            <a:off x="13411200" y="2133600"/>
+            <a:off x="13411200" y="2438400"/>
             <a:ext cx="457200" cy="76200"/>
           </a:xfrm>
           <a:prstGeom prst="rect">
@@ -4422,7 +4422,7 @@
         </p:nvCxnSpPr>
         <p:spPr>
           <a:xfrm>
-            <a:off x="13868400" y="2286000"/>
+            <a:off x="13868400" y="2590800"/>
             <a:ext cx="1219200" cy="0"/>
           </a:xfrm>
           <a:prstGeom prst="line">
@@ -4459,7 +4459,7 @@
         </p:nvCxnSpPr>
         <p:spPr>
           <a:xfrm flipV="1">
-            <a:off x="15087600" y="2057400"/>
+            <a:off x="15087600" y="2362200"/>
             <a:ext cx="0" cy="228600"/>
           </a:xfrm>
           <a:prstGeom prst="line">
@@ -4496,7 +4496,7 @@
         </p:nvCxnSpPr>
         <p:spPr>
           <a:xfrm>
-            <a:off x="15087600" y="2057400"/>
+            <a:off x="15087600" y="2362200"/>
             <a:ext cx="1828800" cy="0"/>
           </a:xfrm>
           <a:prstGeom prst="line">
@@ -4533,7 +4533,7 @@
         </p:nvSpPr>
         <p:spPr>
           <a:xfrm>
-            <a:off x="13411200" y="3048000"/>
+            <a:off x="13411200" y="3352800"/>
             <a:ext cx="457200" cy="76200"/>
           </a:xfrm>
           <a:prstGeom prst="rect">
@@ -4593,7 +4593,7 @@
         </p:nvCxnSpPr>
         <p:spPr>
           <a:xfrm>
-            <a:off x="13868400" y="2971800"/>
+            <a:off x="13868400" y="3276600"/>
             <a:ext cx="3048000" cy="0"/>
           </a:xfrm>
           <a:prstGeom prst="line">
@@ -4630,7 +4630,7 @@
         </p:nvCxnSpPr>
         <p:spPr>
           <a:xfrm>
-            <a:off x="13868400" y="3200400"/>
+            <a:off x="13868400" y="3505200"/>
             <a:ext cx="3048000" cy="0"/>
           </a:xfrm>
           <a:prstGeom prst="line">
@@ -4667,7 +4667,7 @@
         </p:nvCxnSpPr>
         <p:spPr>
           <a:xfrm flipV="1">
-            <a:off x="15392400" y="2971800"/>
+            <a:off x="15392400" y="3276600"/>
             <a:ext cx="76200" cy="228600"/>
           </a:xfrm>
           <a:prstGeom prst="line">
@@ -4704,7 +4704,7 @@
         </p:nvCxnSpPr>
         <p:spPr>
           <a:xfrm flipH="1" flipV="1">
-            <a:off x="15392400" y="2971800"/>
+            <a:off x="15392400" y="3276600"/>
             <a:ext cx="76200" cy="228600"/>
           </a:xfrm>
           <a:prstGeom prst="line">
@@ -4741,7 +4741,7 @@
         </p:nvCxnSpPr>
         <p:spPr>
           <a:xfrm flipV="1">
-            <a:off x="16306800" y="2971800"/>
+            <a:off x="16306800" y="3276600"/>
             <a:ext cx="76200" cy="228600"/>
           </a:xfrm>
           <a:prstGeom prst="line">
@@ -4778,7 +4778,7 @@
         </p:nvCxnSpPr>
         <p:spPr>
           <a:xfrm flipH="1" flipV="1">
-            <a:off x="16306800" y="2971800"/>
+            <a:off x="16306800" y="3276600"/>
             <a:ext cx="76200" cy="228600"/>
           </a:xfrm>
           <a:prstGeom prst="line">
@@ -4815,7 +4815,7 @@
         </p:nvSpPr>
         <p:spPr>
           <a:xfrm>
-            <a:off x="14478000" y="3048000"/>
+            <a:off x="14478000" y="3352800"/>
             <a:ext cx="457200" cy="76200"/>
           </a:xfrm>
           <a:prstGeom prst="rect">
@@ -4868,7 +4868,7 @@
         </p:nvSpPr>
         <p:spPr>
           <a:xfrm>
-            <a:off x="15697200" y="3048000"/>
+            <a:off x="15697200" y="3352800"/>
             <a:ext cx="457200" cy="76200"/>
           </a:xfrm>
           <a:prstGeom prst="rect">
@@ -4921,7 +4921,7 @@
         </p:nvSpPr>
         <p:spPr>
           <a:xfrm>
-            <a:off x="16383000" y="3048000"/>
+            <a:off x="16383000" y="3352800"/>
             <a:ext cx="457200" cy="76200"/>
           </a:xfrm>
           <a:prstGeom prst="rect">
@@ -5013,7 +5013,7 @@
         </p:nvSpPr>
         <p:spPr>
           <a:xfrm>
-            <a:off x="14097000" y="7696230"/>
+            <a:off x="14097000" y="7696235"/>
             <a:ext cx="304800" cy="304793"/>
           </a:xfrm>
           <a:prstGeom prst="rect">
@@ -5488,7 +5488,7 @@
         </p:nvCxnSpPr>
         <p:spPr>
           <a:xfrm>
-            <a:off x="12115813" y="8077190"/>
+            <a:off x="12115818" y="8077190"/>
             <a:ext cx="609599" cy="0"/>
           </a:xfrm>
           <a:prstGeom prst="line">
@@ -5525,7 +5525,7 @@
         </p:nvCxnSpPr>
         <p:spPr>
           <a:xfrm>
-            <a:off x="12039612" y="7619990"/>
+            <a:off x="12039617" y="7619990"/>
             <a:ext cx="1" cy="304800"/>
           </a:xfrm>
           <a:prstGeom prst="line">
@@ -5562,7 +5562,7 @@
         </p:nvCxnSpPr>
         <p:spPr>
           <a:xfrm>
-            <a:off x="10820401" y="7619990"/>
+            <a:off x="10820406" y="7619990"/>
             <a:ext cx="1219211" cy="0"/>
           </a:xfrm>
           <a:prstGeom prst="line">
@@ -5714,7 +5714,7 @@
         </p:nvCxnSpPr>
         <p:spPr>
           <a:xfrm>
-            <a:off x="12420613" y="7772390"/>
+            <a:off x="12420618" y="7772390"/>
             <a:ext cx="304799" cy="0"/>
           </a:xfrm>
           <a:prstGeom prst="line">
@@ -5751,7 +5751,7 @@
         </p:nvSpPr>
         <p:spPr>
           <a:xfrm>
-            <a:off x="533400" y="2819400"/>
+            <a:off x="533400" y="3124200"/>
             <a:ext cx="228600" cy="152400"/>
           </a:xfrm>
           <a:prstGeom prst="homePlate">
@@ -5804,7 +5804,7 @@
         </p:nvCxnSpPr>
         <p:spPr>
           <a:xfrm>
-            <a:off x="762000" y="2286000"/>
+            <a:off x="762000" y="2590800"/>
             <a:ext cx="1676400" cy="0"/>
           </a:xfrm>
           <a:prstGeom prst="line">
@@ -5880,7 +5880,7 @@
         </p:nvSpPr>
         <p:spPr>
           <a:xfrm>
-            <a:off x="5105400" y="7543841"/>
+            <a:off x="5105400" y="7543846"/>
             <a:ext cx="304800" cy="304793"/>
           </a:xfrm>
           <a:prstGeom prst="rect">
@@ -6544,7 +6544,7 @@
         </p:nvSpPr>
         <p:spPr>
           <a:xfrm>
-            <a:off x="5105400" y="2819441"/>
+            <a:off x="5105400" y="3124245"/>
             <a:ext cx="304800" cy="304793"/>
           </a:xfrm>
           <a:prstGeom prst="rect">
@@ -6590,7 +6590,7 @@
         </p:nvCxnSpPr>
         <p:spPr>
           <a:xfrm flipV="1">
-            <a:off x="5181601" y="3047991"/>
+            <a:off x="5181601" y="3352791"/>
             <a:ext cx="76200" cy="76200"/>
           </a:xfrm>
           <a:prstGeom prst="line">
@@ -6625,7 +6625,7 @@
         </p:nvCxnSpPr>
         <p:spPr>
           <a:xfrm flipH="1" flipV="1">
-            <a:off x="5257801" y="3047991"/>
+            <a:off x="5257801" y="3352791"/>
             <a:ext cx="76200" cy="76200"/>
           </a:xfrm>
           <a:prstGeom prst="line">
@@ -6660,7 +6660,7 @@
         </p:nvSpPr>
         <p:spPr>
           <a:xfrm>
-            <a:off x="5181600" y="2819400"/>
+            <a:off x="5181600" y="3124200"/>
             <a:ext cx="152400" cy="152400"/>
           </a:xfrm>
           <a:prstGeom prst="rect">
@@ -6715,7 +6715,7 @@
         </p:nvCxnSpPr>
         <p:spPr>
           <a:xfrm>
-            <a:off x="2209800" y="3048000"/>
+            <a:off x="2209800" y="3352800"/>
             <a:ext cx="2438400" cy="0"/>
           </a:xfrm>
           <a:prstGeom prst="line">
@@ -6911,7 +6911,7 @@
         </p:nvCxnSpPr>
         <p:spPr>
           <a:xfrm>
-            <a:off x="5410200" y="2895628"/>
+            <a:off x="5410200" y="3200428"/>
             <a:ext cx="2438400" cy="0"/>
           </a:xfrm>
           <a:prstGeom prst="line">
@@ -6948,7 +6948,7 @@
         </p:nvSpPr>
         <p:spPr>
           <a:xfrm>
-            <a:off x="533400" y="2209800"/>
+            <a:off x="533400" y="2514600"/>
             <a:ext cx="228600" cy="152400"/>
           </a:xfrm>
           <a:prstGeom prst="homePlate">
@@ -6999,7 +6999,7 @@
         </p:nvCxnSpPr>
         <p:spPr>
           <a:xfrm flipV="1">
-            <a:off x="838200" y="2209800"/>
+            <a:off x="838200" y="2514600"/>
             <a:ext cx="152400" cy="152404"/>
           </a:xfrm>
           <a:prstGeom prst="line">
@@ -7036,7 +7036,7 @@
         </p:nvSpPr>
         <p:spPr>
           <a:xfrm>
-            <a:off x="838201" y="2133600"/>
+            <a:off x="838201" y="2438400"/>
             <a:ext cx="152400" cy="76200"/>
           </a:xfrm>
           <a:prstGeom prst="rect">
@@ -7089,7 +7089,7 @@
         </p:nvSpPr>
         <p:spPr>
           <a:xfrm>
-            <a:off x="1066800" y="2133600"/>
+            <a:off x="1066800" y="2438400"/>
             <a:ext cx="457200" cy="152400"/>
           </a:xfrm>
           <a:prstGeom prst="rect">
@@ -7141,7 +7141,7 @@
         </p:nvCxnSpPr>
         <p:spPr>
           <a:xfrm flipV="1">
-            <a:off x="838200" y="2819400"/>
+            <a:off x="838200" y="3124200"/>
             <a:ext cx="152400" cy="152404"/>
           </a:xfrm>
           <a:prstGeom prst="line">
@@ -7178,7 +7178,7 @@
         </p:nvSpPr>
         <p:spPr>
           <a:xfrm>
-            <a:off x="838201" y="2743200"/>
+            <a:off x="838201" y="3048000"/>
             <a:ext cx="152400" cy="76200"/>
           </a:xfrm>
           <a:prstGeom prst="rect">
@@ -7231,7 +7231,7 @@
         </p:nvSpPr>
         <p:spPr>
           <a:xfrm>
-            <a:off x="1066800" y="2743200"/>
+            <a:off x="1066800" y="3048000"/>
             <a:ext cx="457200" cy="152400"/>
           </a:xfrm>
           <a:prstGeom prst="rect">
@@ -7700,7 +7700,7 @@
         </p:nvSpPr>
         <p:spPr>
           <a:xfrm rot="5400000">
-            <a:off x="1905000" y="2971800"/>
+            <a:off x="1905000" y="3276600"/>
             <a:ext cx="457200" cy="152400"/>
           </a:xfrm>
           <a:prstGeom prst="trapezoid">
@@ -7748,7 +7748,7 @@
         </p:nvSpPr>
         <p:spPr>
           <a:xfrm>
-            <a:off x="2057400" y="3048000"/>
+            <a:off x="2057400" y="3352800"/>
             <a:ext cx="152400" cy="152400"/>
           </a:xfrm>
           <a:prstGeom prst="rect">
@@ -7800,7 +7800,7 @@
         </p:nvSpPr>
         <p:spPr>
           <a:xfrm>
-            <a:off x="2057400" y="2895600"/>
+            <a:off x="2057400" y="3200400"/>
             <a:ext cx="152400" cy="152400"/>
           </a:xfrm>
           <a:prstGeom prst="rect">
@@ -7854,7 +7854,7 @@
         </p:nvCxnSpPr>
         <p:spPr>
           <a:xfrm>
-            <a:off x="762000" y="2895600"/>
+            <a:off x="762000" y="3200400"/>
             <a:ext cx="1295400" cy="0"/>
           </a:xfrm>
           <a:prstGeom prst="line">
@@ -7891,7 +7891,7 @@
         </p:nvCxnSpPr>
         <p:spPr>
           <a:xfrm>
-            <a:off x="5715000" y="2895628"/>
+            <a:off x="5715000" y="3200428"/>
             <a:ext cx="0" cy="609572"/>
           </a:xfrm>
           <a:prstGeom prst="line">
@@ -7928,7 +7928,7 @@
         </p:nvCxnSpPr>
         <p:spPr>
           <a:xfrm flipH="1">
-            <a:off x="1752600" y="3505200"/>
+            <a:off x="1752600" y="3810000"/>
             <a:ext cx="3962400" cy="0"/>
           </a:xfrm>
           <a:prstGeom prst="line">
@@ -7965,7 +7965,7 @@
         </p:nvCxnSpPr>
         <p:spPr>
           <a:xfrm flipV="1">
-            <a:off x="1752600" y="3200400"/>
+            <a:off x="1752600" y="3505200"/>
             <a:ext cx="0" cy="304800"/>
           </a:xfrm>
           <a:prstGeom prst="line">
@@ -8002,7 +8002,7 @@
         </p:nvCxnSpPr>
         <p:spPr>
           <a:xfrm>
-            <a:off x="1752600" y="3200400"/>
+            <a:off x="1752600" y="3505200"/>
             <a:ext cx="304800" cy="0"/>
           </a:xfrm>
           <a:prstGeom prst="line">
@@ -8041,7 +8041,7 @@
         </p:nvCxnSpPr>
         <p:spPr>
           <a:xfrm>
-            <a:off x="762000" y="1981200"/>
+            <a:off x="762000" y="2286000"/>
             <a:ext cx="1524000" cy="0"/>
           </a:xfrm>
           <a:prstGeom prst="line">
@@ -8078,7 +8078,7 @@
         </p:nvSpPr>
         <p:spPr>
           <a:xfrm>
-            <a:off x="533400" y="1905000"/>
+            <a:off x="533400" y="2209800"/>
             <a:ext cx="228600" cy="152400"/>
           </a:xfrm>
           <a:prstGeom prst="homePlate">
@@ -8129,7 +8129,7 @@
         </p:nvCxnSpPr>
         <p:spPr>
           <a:xfrm flipV="1">
-            <a:off x="838200" y="1905000"/>
+            <a:off x="838200" y="2209800"/>
             <a:ext cx="152400" cy="152404"/>
           </a:xfrm>
           <a:prstGeom prst="line">
@@ -8166,7 +8166,7 @@
         </p:nvSpPr>
         <p:spPr>
           <a:xfrm>
-            <a:off x="838201" y="1828800"/>
+            <a:off x="838201" y="2133600"/>
             <a:ext cx="152400" cy="76200"/>
           </a:xfrm>
           <a:prstGeom prst="rect">
@@ -8219,7 +8219,7 @@
         </p:nvSpPr>
         <p:spPr>
           <a:xfrm>
-            <a:off x="1066800" y="1828800"/>
+            <a:off x="1066800" y="2133600"/>
             <a:ext cx="457200" cy="152400"/>
           </a:xfrm>
           <a:prstGeom prst="rect">
@@ -8271,7 +8271,7 @@
         </p:nvCxnSpPr>
         <p:spPr>
           <a:xfrm>
-            <a:off x="2133600" y="2286000"/>
+            <a:off x="2133600" y="2590800"/>
             <a:ext cx="0" cy="609600"/>
           </a:xfrm>
           <a:prstGeom prst="line">
@@ -8308,7 +8308,7 @@
         </p:nvSpPr>
         <p:spPr>
           <a:xfrm>
-            <a:off x="2438400" y="2057400"/>
+            <a:off x="2438400" y="2362200"/>
             <a:ext cx="304800" cy="304800"/>
           </a:xfrm>
           <a:prstGeom prst="flowChartDelay">
@@ -8354,7 +8354,7 @@
         </p:nvCxnSpPr>
         <p:spPr>
           <a:xfrm>
-            <a:off x="2286000" y="2133600"/>
+            <a:off x="2286000" y="2438400"/>
             <a:ext cx="152400" cy="0"/>
           </a:xfrm>
           <a:prstGeom prst="line">
@@ -8391,7 +8391,7 @@
         </p:nvCxnSpPr>
         <p:spPr>
           <a:xfrm>
-            <a:off x="2286000" y="1981200"/>
+            <a:off x="2286000" y="2286000"/>
             <a:ext cx="0" cy="152400"/>
           </a:xfrm>
           <a:prstGeom prst="line">
@@ -8430,7 +8430,7 @@
         </p:nvCxnSpPr>
         <p:spPr>
           <a:xfrm>
-            <a:off x="4800600" y="4648190"/>
+            <a:off x="4800600" y="4952990"/>
             <a:ext cx="304800" cy="0"/>
           </a:xfrm>
           <a:prstGeom prst="line">
@@ -8467,7 +8467,7 @@
         </p:nvSpPr>
         <p:spPr>
           <a:xfrm>
-            <a:off x="5105400" y="4572003"/>
+            <a:off x="5105400" y="4876807"/>
             <a:ext cx="304800" cy="304793"/>
           </a:xfrm>
           <a:prstGeom prst="rect">
@@ -8513,7 +8513,7 @@
         </p:nvCxnSpPr>
         <p:spPr>
           <a:xfrm flipV="1">
-            <a:off x="5181601" y="4800553"/>
+            <a:off x="5181601" y="5105353"/>
             <a:ext cx="76200" cy="76200"/>
           </a:xfrm>
           <a:prstGeom prst="line">
@@ -8548,7 +8548,7 @@
         </p:nvCxnSpPr>
         <p:spPr>
           <a:xfrm flipH="1" flipV="1">
-            <a:off x="5257801" y="4800553"/>
+            <a:off x="5257801" y="5105353"/>
             <a:ext cx="76200" cy="76200"/>
           </a:xfrm>
           <a:prstGeom prst="line">
@@ -8583,7 +8583,7 @@
         </p:nvSpPr>
         <p:spPr>
           <a:xfrm>
-            <a:off x="5181600" y="4571962"/>
+            <a:off x="5181600" y="4876762"/>
             <a:ext cx="152400" cy="152400"/>
           </a:xfrm>
           <a:prstGeom prst="rect">
@@ -8636,7 +8636,7 @@
         </p:nvSpPr>
         <p:spPr>
           <a:xfrm>
-            <a:off x="1219200" y="4876790"/>
+            <a:off x="8305800" y="5334000"/>
             <a:ext cx="152400" cy="152400"/>
           </a:xfrm>
           <a:prstGeom prst="rect">
@@ -8687,14 +8687,14 @@
         <p:nvCxnSpPr>
           <p:cNvPr id="759" name="Straight Connector 758"/>
           <p:cNvCxnSpPr>
-            <a:endCxn id="758" idx="1"/>
+            <a:endCxn id="758" idx="2"/>
           </p:cNvCxnSpPr>
           <p:nvPr/>
         </p:nvCxnSpPr>
         <p:spPr>
-          <a:xfrm>
-            <a:off x="914400" y="4952990"/>
-            <a:ext cx="304800" cy="0"/>
+          <a:xfrm flipV="1">
+            <a:off x="8382000" y="5486400"/>
+            <a:ext cx="0" cy="228600"/>
           </a:xfrm>
           <a:prstGeom prst="line">
             <a:avLst/>
@@ -8730,7 +8730,7 @@
         </p:nvSpPr>
         <p:spPr>
           <a:xfrm>
-            <a:off x="609600" y="4800590"/>
+            <a:off x="8077200" y="5715000"/>
             <a:ext cx="457200" cy="152400"/>
           </a:xfrm>
           <a:prstGeom prst="rect">
@@ -8775,45 +8775,6 @@
           </a:p>
         </p:txBody>
       </p:sp>
-      <p:cxnSp>
-        <p:nvCxnSpPr>
-          <p:cNvPr id="762" name="Straight Connector 761"/>
-          <p:cNvCxnSpPr>
-            <a:endCxn id="758" idx="2"/>
-          </p:cNvCxnSpPr>
-          <p:nvPr/>
-        </p:nvCxnSpPr>
-        <p:spPr>
-          <a:xfrm flipV="1">
-            <a:off x="1295400" y="5029190"/>
-            <a:ext cx="0" cy="457200"/>
-          </a:xfrm>
-          <a:prstGeom prst="line">
-            <a:avLst/>
-          </a:prstGeom>
-          <a:ln w="12700">
-            <a:solidFill>
-              <a:srgbClr val="000000"/>
-            </a:solidFill>
-            <a:headEnd type="none" w="med" len="med"/>
-            <a:tailEnd type="triangle" w="med" len="med"/>
-          </a:ln>
-        </p:spPr>
-        <p:style>
-          <a:lnRef idx="1">
-            <a:schemeClr val="accent1"/>
-          </a:lnRef>
-          <a:fillRef idx="0">
-            <a:schemeClr val="accent1"/>
-          </a:fillRef>
-          <a:effectRef idx="0">
-            <a:schemeClr val="accent1"/>
-          </a:effectRef>
-          <a:fontRef idx="minor">
-            <a:schemeClr val="tx1"/>
-          </a:fontRef>
-        </p:style>
-      </p:cxnSp>
       <p:sp>
         <p:nvSpPr>
           <p:cNvPr id="763" name="Trapezoid 762"/>
@@ -8822,7 +8783,7 @@
         </p:nvSpPr>
         <p:spPr>
           <a:xfrm rot="5400000">
-            <a:off x="1905000" y="4724390"/>
+            <a:off x="8991600" y="5181600"/>
             <a:ext cx="457200" cy="152400"/>
           </a:xfrm>
           <a:prstGeom prst="trapezoid">
@@ -8870,7 +8831,7 @@
         </p:nvSpPr>
         <p:spPr>
           <a:xfrm>
-            <a:off x="2057400" y="4800590"/>
+            <a:off x="9144000" y="5257800"/>
             <a:ext cx="152400" cy="152400"/>
           </a:xfrm>
           <a:prstGeom prst="rect">
@@ -8922,7 +8883,7 @@
         </p:nvSpPr>
         <p:spPr>
           <a:xfrm>
-            <a:off x="2057400" y="4648190"/>
+            <a:off x="9144000" y="5105400"/>
             <a:ext cx="152400" cy="152400"/>
           </a:xfrm>
           <a:prstGeom prst="rect">
@@ -8976,45 +8937,8 @@
         </p:nvCxnSpPr>
         <p:spPr>
           <a:xfrm>
-            <a:off x="1371600" y="4952990"/>
+            <a:off x="8458200" y="5410200"/>
             <a:ext cx="685800" cy="0"/>
-          </a:xfrm>
-          <a:prstGeom prst="line">
-            <a:avLst/>
-          </a:prstGeom>
-          <a:ln w="12700">
-            <a:solidFill>
-              <a:srgbClr val="000000"/>
-            </a:solidFill>
-            <a:headEnd type="none" w="med" len="med"/>
-            <a:tailEnd type="none" w="med" len="med"/>
-          </a:ln>
-        </p:spPr>
-        <p:style>
-          <a:lnRef idx="1">
-            <a:schemeClr val="accent1"/>
-          </a:lnRef>
-          <a:fillRef idx="0">
-            <a:schemeClr val="accent1"/>
-          </a:fillRef>
-          <a:effectRef idx="0">
-            <a:schemeClr val="accent1"/>
-          </a:effectRef>
-          <a:fontRef idx="minor">
-            <a:schemeClr val="tx1"/>
-          </a:fontRef>
-        </p:style>
-      </p:cxnSp>
-      <p:cxnSp>
-        <p:nvCxnSpPr>
-          <p:cNvPr id="767" name="Straight Connector 766"/>
-          <p:cNvCxnSpPr/>
-          <p:nvPr/>
-        </p:nvCxnSpPr>
-        <p:spPr>
-          <a:xfrm>
-            <a:off x="2133600" y="4952990"/>
-            <a:ext cx="0" cy="990600"/>
           </a:xfrm>
           <a:prstGeom prst="line">
             <a:avLst/>
@@ -9050,8 +8974,8 @@
         </p:nvCxnSpPr>
         <p:spPr>
           <a:xfrm>
-            <a:off x="5410200" y="4648162"/>
-            <a:ext cx="1066800" cy="0"/>
+            <a:off x="5410200" y="4952962"/>
+            <a:ext cx="4419600" cy="0"/>
           </a:xfrm>
           <a:prstGeom prst="line">
             <a:avLst/>
@@ -9082,13 +9006,15 @@
       <p:cxnSp>
         <p:nvCxnSpPr>
           <p:cNvPr id="772" name="Straight Connector 771"/>
-          <p:cNvCxnSpPr/>
+          <p:cNvCxnSpPr>
+            <a:endCxn id="794" idx="0"/>
+          </p:cNvCxnSpPr>
           <p:nvPr/>
         </p:nvCxnSpPr>
         <p:spPr>
           <a:xfrm>
-            <a:off x="6477000" y="4648190"/>
-            <a:ext cx="0" cy="990600"/>
+            <a:off x="6477000" y="4953000"/>
+            <a:ext cx="0" cy="533400"/>
           </a:xfrm>
           <a:prstGeom prst="line">
             <a:avLst/>
@@ -9097,7 +9023,7 @@
             <a:solidFill>
               <a:srgbClr val="000000"/>
             </a:solidFill>
-            <a:headEnd type="none" w="med" len="med"/>
+            <a:headEnd type="oval" w="med" len="med"/>
             <a:tailEnd type="triangle" w="med" len="med"/>
           </a:ln>
         </p:spPr>
@@ -9124,7 +9050,7 @@
         </p:nvCxnSpPr>
         <p:spPr>
           <a:xfrm>
-            <a:off x="1752600" y="4648190"/>
+            <a:off x="8839200" y="5105400"/>
             <a:ext cx="304800" cy="0"/>
           </a:xfrm>
           <a:prstGeom prst="line">
@@ -9161,7 +9087,7 @@
         </p:nvSpPr>
         <p:spPr>
           <a:xfrm>
-            <a:off x="1447800" y="4495790"/>
+            <a:off x="8534400" y="5105400"/>
             <a:ext cx="457200" cy="152400"/>
           </a:xfrm>
           <a:prstGeom prst="rect">
@@ -9214,7 +9140,7 @@
         </p:nvSpPr>
         <p:spPr>
           <a:xfrm rot="5400000">
-            <a:off x="2895600" y="4876790"/>
+            <a:off x="9677400" y="5029200"/>
             <a:ext cx="457200" cy="152400"/>
           </a:xfrm>
           <a:prstGeom prst="trapezoid">
@@ -9262,7 +9188,7 @@
         </p:nvSpPr>
         <p:spPr>
           <a:xfrm>
-            <a:off x="3048000" y="4952990"/>
+            <a:off x="9829800" y="4953000"/>
             <a:ext cx="152400" cy="152400"/>
           </a:xfrm>
           <a:prstGeom prst="rect">
@@ -9314,7 +9240,7 @@
         </p:nvSpPr>
         <p:spPr>
           <a:xfrm>
-            <a:off x="3048000" y="4800590"/>
+            <a:off x="9829800" y="5105400"/>
             <a:ext cx="152400" cy="152400"/>
           </a:xfrm>
           <a:prstGeom prst="rect">
@@ -9366,8 +9292,8 @@
         </p:nvCxnSpPr>
         <p:spPr>
           <a:xfrm>
-            <a:off x="3124200" y="2209800"/>
-            <a:ext cx="0" cy="2590790"/>
+            <a:off x="3124200" y="2514600"/>
+            <a:ext cx="0" cy="3733800"/>
           </a:xfrm>
           <a:prstGeom prst="line">
             <a:avLst/>
@@ -9405,7 +9331,7 @@
         </p:nvCxnSpPr>
         <p:spPr>
           <a:xfrm>
-            <a:off x="2743200" y="2209800"/>
+            <a:off x="2743200" y="2514600"/>
             <a:ext cx="1905000" cy="0"/>
           </a:xfrm>
           <a:prstGeom prst="line">
@@ -9442,7 +9368,7 @@
         </p:nvSpPr>
         <p:spPr>
           <a:xfrm>
-            <a:off x="5105400" y="1981241"/>
+            <a:off x="5105400" y="2286045"/>
             <a:ext cx="304800" cy="304793"/>
           </a:xfrm>
           <a:prstGeom prst="rect">
@@ -9488,7 +9414,7 @@
         </p:nvCxnSpPr>
         <p:spPr>
           <a:xfrm flipV="1">
-            <a:off x="5181601" y="2209791"/>
+            <a:off x="5181601" y="2514591"/>
             <a:ext cx="76200" cy="76200"/>
           </a:xfrm>
           <a:prstGeom prst="line">
@@ -9523,7 +9449,7 @@
         </p:nvCxnSpPr>
         <p:spPr>
           <a:xfrm flipH="1" flipV="1">
-            <a:off x="5257801" y="2209791"/>
+            <a:off x="5257801" y="2514591"/>
             <a:ext cx="76200" cy="76200"/>
           </a:xfrm>
           <a:prstGeom prst="line">
@@ -9558,7 +9484,7 @@
         </p:nvSpPr>
         <p:spPr>
           <a:xfrm>
-            <a:off x="5181600" y="1981200"/>
+            <a:off x="5181600" y="2286000"/>
             <a:ext cx="152400" cy="152400"/>
           </a:xfrm>
           <a:prstGeom prst="rect">
@@ -9611,8 +9537,8 @@
         </p:nvCxnSpPr>
         <p:spPr>
           <a:xfrm>
-            <a:off x="2209800" y="4800590"/>
-            <a:ext cx="838200" cy="0"/>
+            <a:off x="9296400" y="5257800"/>
+            <a:ext cx="533400" cy="0"/>
           </a:xfrm>
           <a:prstGeom prst="line">
             <a:avLst/>
@@ -9648,7 +9574,7 @@
         </p:nvSpPr>
         <p:spPr>
           <a:xfrm>
-            <a:off x="1066800" y="4800590"/>
+            <a:off x="8382000" y="5486400"/>
             <a:ext cx="152400" cy="152400"/>
           </a:xfrm>
           <a:prstGeom prst="rect">
@@ -9701,7 +9627,7 @@
         </p:nvCxnSpPr>
         <p:spPr>
           <a:xfrm flipV="1">
-            <a:off x="5486400" y="4571962"/>
+            <a:off x="5486400" y="4876762"/>
             <a:ext cx="152400" cy="152404"/>
           </a:xfrm>
           <a:prstGeom prst="line">
@@ -9738,7 +9664,7 @@
         </p:nvSpPr>
         <p:spPr>
           <a:xfrm>
-            <a:off x="5486401" y="4495762"/>
+            <a:off x="5486401" y="4800562"/>
             <a:ext cx="152400" cy="76200"/>
           </a:xfrm>
           <a:prstGeom prst="rect">
@@ -9791,7 +9717,7 @@
         </p:nvSpPr>
         <p:spPr>
           <a:xfrm>
-            <a:off x="5715000" y="4495762"/>
+            <a:off x="5715000" y="4800562"/>
             <a:ext cx="457200" cy="152400"/>
           </a:xfrm>
           <a:prstGeom prst="rect">
@@ -9823,7 +9749,7 @@
           <a:lstStyle/>
           <a:p>
             <a:r>
-              <a:rPr lang="en-US" sz="900" dirty="0" err="1" smtClean="0">
+              <a:rPr lang="en-US" sz="900" dirty="0" err="1">
                 <a:solidFill>
                   <a:srgbClr val="000000"/>
                 </a:solidFill>
@@ -9849,9 +9775,9 @@
           <p:nvPr/>
         </p:nvCxnSpPr>
         <p:spPr>
-          <a:xfrm flipH="1">
-            <a:off x="1295400" y="5486390"/>
-            <a:ext cx="5181600" cy="0"/>
+          <a:xfrm flipV="1">
+            <a:off x="9220200" y="5410200"/>
+            <a:ext cx="0" cy="533400"/>
           </a:xfrm>
           <a:prstGeom prst="line">
             <a:avLst/>
@@ -9887,7 +9813,7 @@
         </p:nvSpPr>
         <p:spPr>
           <a:xfrm>
-            <a:off x="6400800" y="5638790"/>
+            <a:off x="6400800" y="5486400"/>
             <a:ext cx="152400" cy="152400"/>
           </a:xfrm>
           <a:prstGeom prst="rect">
@@ -9942,7 +9868,7 @@
         </p:nvCxnSpPr>
         <p:spPr>
           <a:xfrm>
-            <a:off x="6248400" y="5714990"/>
+            <a:off x="6248400" y="5562600"/>
             <a:ext cx="152400" cy="0"/>
           </a:xfrm>
           <a:prstGeom prst="line">
@@ -9979,7 +9905,7 @@
         </p:nvSpPr>
         <p:spPr>
           <a:xfrm>
-            <a:off x="5791200" y="5562590"/>
+            <a:off x="5791200" y="5410200"/>
             <a:ext cx="457200" cy="152400"/>
           </a:xfrm>
           <a:prstGeom prst="rect">
@@ -10069,8 +9995,8 @@
         </p:nvCxnSpPr>
         <p:spPr>
           <a:xfrm>
-            <a:off x="12877800" y="2057400"/>
-            <a:ext cx="0" cy="4190990"/>
+            <a:off x="12877800" y="2362200"/>
+            <a:ext cx="0" cy="3886200"/>
           </a:xfrm>
           <a:prstGeom prst="line">
             <a:avLst/>
@@ -10106,7 +10032,7 @@
         </p:nvCxnSpPr>
         <p:spPr>
           <a:xfrm>
-            <a:off x="5410200" y="2057400"/>
+            <a:off x="5410200" y="2362200"/>
             <a:ext cx="7467600" cy="0"/>
           </a:xfrm>
           <a:prstGeom prst="line">
@@ -10284,43 +10210,6 @@
           </a:p>
         </p:txBody>
       </p:sp>
-      <p:cxnSp>
-        <p:nvCxnSpPr>
-          <p:cNvPr id="804" name="Straight Connector 803"/>
-          <p:cNvCxnSpPr/>
-          <p:nvPr/>
-        </p:nvCxnSpPr>
-        <p:spPr>
-          <a:xfrm flipV="1">
-            <a:off x="3124200" y="5105390"/>
-            <a:ext cx="0" cy="1143000"/>
-          </a:xfrm>
-          <a:prstGeom prst="line">
-            <a:avLst/>
-          </a:prstGeom>
-          <a:ln w="12700">
-            <a:solidFill>
-              <a:srgbClr val="000000"/>
-            </a:solidFill>
-            <a:headEnd type="none" w="med" len="med"/>
-            <a:tailEnd type="none" w="med" len="med"/>
-          </a:ln>
-        </p:spPr>
-        <p:style>
-          <a:lnRef idx="1">
-            <a:schemeClr val="accent1"/>
-          </a:lnRef>
-          <a:fillRef idx="0">
-            <a:schemeClr val="accent1"/>
-          </a:fillRef>
-          <a:effectRef idx="0">
-            <a:schemeClr val="accent1"/>
-          </a:effectRef>
-          <a:fontRef idx="minor">
-            <a:schemeClr val="tx1"/>
-          </a:fontRef>
-        </p:style>
-      </p:cxnSp>
       <p:sp>
         <p:nvSpPr>
           <p:cNvPr id="805" name="Oval 804"/>
@@ -10369,50 +10258,13 @@
       </p:sp>
       <p:cxnSp>
         <p:nvCxnSpPr>
-          <p:cNvPr id="806" name="Straight Connector 805"/>
-          <p:cNvCxnSpPr/>
-          <p:nvPr/>
-        </p:nvCxnSpPr>
-        <p:spPr>
-          <a:xfrm flipV="1">
-            <a:off x="2819400" y="5105390"/>
-            <a:ext cx="0" cy="381000"/>
-          </a:xfrm>
-          <a:prstGeom prst="line">
-            <a:avLst/>
-          </a:prstGeom>
-          <a:ln w="12700">
-            <a:solidFill>
-              <a:srgbClr val="000000"/>
-            </a:solidFill>
-            <a:headEnd type="oval" w="med" len="med"/>
-            <a:tailEnd type="none" w="med" len="med"/>
-          </a:ln>
-        </p:spPr>
-        <p:style>
-          <a:lnRef idx="1">
-            <a:schemeClr val="accent1"/>
-          </a:lnRef>
-          <a:fillRef idx="0">
-            <a:schemeClr val="accent1"/>
-          </a:fillRef>
-          <a:effectRef idx="0">
-            <a:schemeClr val="accent1"/>
-          </a:effectRef>
-          <a:fontRef idx="minor">
-            <a:schemeClr val="tx1"/>
-          </a:fontRef>
-        </p:style>
-      </p:cxnSp>
-      <p:cxnSp>
-        <p:nvCxnSpPr>
           <p:cNvPr id="807" name="Straight Connector 806"/>
           <p:cNvCxnSpPr/>
           <p:nvPr/>
         </p:nvCxnSpPr>
         <p:spPr>
           <a:xfrm>
-            <a:off x="2819400" y="5105390"/>
+            <a:off x="9982200" y="5105400"/>
             <a:ext cx="228600" cy="0"/>
           </a:xfrm>
           <a:prstGeom prst="line">
@@ -10451,8 +10303,8 @@
         </p:nvCxnSpPr>
         <p:spPr>
           <a:xfrm flipV="1">
-            <a:off x="6477000" y="5791190"/>
-            <a:ext cx="0" cy="152400"/>
+            <a:off x="6477000" y="5638800"/>
+            <a:ext cx="0" cy="304800"/>
           </a:xfrm>
           <a:prstGeom prst="line">
             <a:avLst/>
@@ -10488,8 +10340,8 @@
         </p:nvCxnSpPr>
         <p:spPr>
           <a:xfrm>
-            <a:off x="2133600" y="5943590"/>
-            <a:ext cx="10591800" cy="0"/>
+            <a:off x="3276600" y="5943600"/>
+            <a:ext cx="9448800" cy="0"/>
           </a:xfrm>
           <a:prstGeom prst="line">
             <a:avLst/>
@@ -10566,14 +10418,12 @@
       <p:cxnSp>
         <p:nvCxnSpPr>
           <p:cNvPr id="811" name="Straight Connector 810"/>
-          <p:cNvCxnSpPr>
-            <a:endCxn id="271" idx="0"/>
-          </p:cNvCxnSpPr>
+          <p:cNvCxnSpPr/>
           <p:nvPr/>
         </p:nvCxnSpPr>
         <p:spPr>
           <a:xfrm>
-            <a:off x="3276600" y="5943590"/>
+            <a:off x="3276600" y="5943600"/>
             <a:ext cx="0" cy="152410"/>
           </a:xfrm>
           <a:prstGeom prst="line">
@@ -10583,7 +10433,7 @@
             <a:solidFill>
               <a:srgbClr val="000000"/>
             </a:solidFill>
-            <a:headEnd type="oval" w="med" len="med"/>
+            <a:headEnd type="none" w="med" len="med"/>
             <a:tailEnd type="none" w="med" len="med"/>
           </a:ln>
         </p:spPr>
@@ -10649,7 +10499,7 @@
         </p:nvCxnSpPr>
         <p:spPr>
           <a:xfrm flipH="1" flipV="1">
-            <a:off x="5486400" y="4876790"/>
+            <a:off x="5486400" y="5181590"/>
             <a:ext cx="152400" cy="76200"/>
           </a:xfrm>
           <a:prstGeom prst="line">
@@ -10686,7 +10536,7 @@
         </p:nvSpPr>
         <p:spPr>
           <a:xfrm>
-            <a:off x="5410200" y="4952990"/>
+            <a:off x="5410200" y="5257790"/>
             <a:ext cx="457200" cy="152400"/>
           </a:xfrm>
           <a:prstGeom prst="rect">
@@ -10749,7 +10599,7 @@
         </p:nvSpPr>
         <p:spPr>
           <a:xfrm rot="5400000">
-            <a:off x="3657600" y="4724390"/>
+            <a:off x="3657600" y="5029190"/>
             <a:ext cx="457200" cy="152400"/>
           </a:xfrm>
           <a:prstGeom prst="trapezoid">
@@ -10797,7 +10647,7 @@
         </p:nvSpPr>
         <p:spPr>
           <a:xfrm>
-            <a:off x="3810000" y="4800590"/>
+            <a:off x="3810000" y="4952990"/>
             <a:ext cx="152400" cy="152400"/>
           </a:xfrm>
           <a:prstGeom prst="rect">
@@ -10849,7 +10699,7 @@
         </p:nvSpPr>
         <p:spPr>
           <a:xfrm>
-            <a:off x="3810000" y="4648190"/>
+            <a:off x="3810000" y="5105400"/>
             <a:ext cx="152400" cy="152400"/>
           </a:xfrm>
           <a:prstGeom prst="rect">
@@ -10896,15 +10746,13 @@
       <p:cxnSp>
         <p:nvCxnSpPr>
           <p:cNvPr id="819" name="Straight Connector 818"/>
-          <p:cNvCxnSpPr>
-            <a:stCxn id="777" idx="0"/>
-          </p:cNvCxnSpPr>
+          <p:cNvCxnSpPr/>
           <p:nvPr/>
         </p:nvCxnSpPr>
         <p:spPr>
-          <a:xfrm>
-            <a:off x="3200400" y="4952990"/>
-            <a:ext cx="609600" cy="0"/>
+          <a:xfrm flipV="1">
+            <a:off x="10210800" y="4495800"/>
+            <a:ext cx="0" cy="609600"/>
           </a:xfrm>
           <a:prstGeom prst="line">
             <a:avLst/>
@@ -10940,7 +10788,7 @@
         </p:nvCxnSpPr>
         <p:spPr>
           <a:xfrm>
-            <a:off x="3505200" y="4648190"/>
+            <a:off x="3505200" y="5257800"/>
             <a:ext cx="304800" cy="0"/>
           </a:xfrm>
           <a:prstGeom prst="line">
@@ -10977,7 +10825,7 @@
         </p:nvSpPr>
         <p:spPr>
           <a:xfrm>
-            <a:off x="3352800" y="4495790"/>
+            <a:off x="3352800" y="5105400"/>
             <a:ext cx="457200" cy="152400"/>
           </a:xfrm>
           <a:prstGeom prst="rect">
@@ -11030,7 +10878,7 @@
         </p:nvCxnSpPr>
         <p:spPr>
           <a:xfrm>
-            <a:off x="3886200" y="3886200"/>
+            <a:off x="3886200" y="4191000"/>
             <a:ext cx="0" cy="761990"/>
           </a:xfrm>
           <a:prstGeom prst="line">
@@ -11067,7 +10915,7 @@
         </p:nvSpPr>
         <p:spPr>
           <a:xfrm>
-            <a:off x="533400" y="3810000"/>
+            <a:off x="533400" y="4114800"/>
             <a:ext cx="228600" cy="152400"/>
           </a:xfrm>
           <a:prstGeom prst="homePlate">
@@ -11118,7 +10966,7 @@
         </p:nvCxnSpPr>
         <p:spPr>
           <a:xfrm flipV="1">
-            <a:off x="838200" y="3810000"/>
+            <a:off x="838200" y="4114800"/>
             <a:ext cx="152400" cy="152404"/>
           </a:xfrm>
           <a:prstGeom prst="line">
@@ -11155,7 +11003,7 @@
         </p:nvSpPr>
         <p:spPr>
           <a:xfrm>
-            <a:off x="838201" y="3733800"/>
+            <a:off x="838201" y="4038600"/>
             <a:ext cx="152400" cy="76200"/>
           </a:xfrm>
           <a:prstGeom prst="rect">
@@ -11208,7 +11056,7 @@
         </p:nvSpPr>
         <p:spPr>
           <a:xfrm>
-            <a:off x="1066800" y="3733800"/>
+            <a:off x="1066800" y="4038600"/>
             <a:ext cx="457200" cy="152400"/>
           </a:xfrm>
           <a:prstGeom prst="rect">
@@ -11260,7 +11108,7 @@
         </p:nvSpPr>
         <p:spPr>
           <a:xfrm rot="5400000">
-            <a:off x="4495800" y="4571990"/>
+            <a:off x="4495800" y="4876790"/>
             <a:ext cx="457200" cy="152400"/>
           </a:xfrm>
           <a:prstGeom prst="trapezoid">
@@ -11308,7 +11156,7 @@
         </p:nvSpPr>
         <p:spPr>
           <a:xfrm>
-            <a:off x="4648200" y="4648190"/>
+            <a:off x="4648200" y="4952990"/>
             <a:ext cx="152400" cy="152400"/>
           </a:xfrm>
           <a:prstGeom prst="rect">
@@ -11360,7 +11208,7 @@
         </p:nvSpPr>
         <p:spPr>
           <a:xfrm>
-            <a:off x="4648200" y="4495790"/>
+            <a:off x="4648200" y="4800590"/>
             <a:ext cx="152400" cy="152400"/>
           </a:xfrm>
           <a:prstGeom prst="rect">
@@ -11414,7 +11262,7 @@
         </p:nvCxnSpPr>
         <p:spPr>
           <a:xfrm>
-            <a:off x="3962400" y="4800590"/>
+            <a:off x="3962400" y="5105390"/>
             <a:ext cx="685800" cy="0"/>
           </a:xfrm>
           <a:prstGeom prst="line">
@@ -11451,7 +11299,7 @@
         </p:nvCxnSpPr>
         <p:spPr>
           <a:xfrm>
-            <a:off x="4343400" y="4495790"/>
+            <a:off x="4343400" y="4800590"/>
             <a:ext cx="304800" cy="0"/>
           </a:xfrm>
           <a:prstGeom prst="line">
@@ -11488,7 +11336,7 @@
         </p:nvSpPr>
         <p:spPr>
           <a:xfrm>
-            <a:off x="4191000" y="4343390"/>
+            <a:off x="4191000" y="4648190"/>
             <a:ext cx="457200" cy="152400"/>
           </a:xfrm>
           <a:prstGeom prst="rect">
@@ -11541,7 +11389,7 @@
         </p:nvSpPr>
         <p:spPr>
           <a:xfrm rot="5400000">
-            <a:off x="4495800" y="2819400"/>
+            <a:off x="4495800" y="3124200"/>
             <a:ext cx="457200" cy="152400"/>
           </a:xfrm>
           <a:prstGeom prst="trapezoid">
@@ -11589,7 +11437,7 @@
         </p:nvSpPr>
         <p:spPr>
           <a:xfrm>
-            <a:off x="4648200" y="2895600"/>
+            <a:off x="4648200" y="3200400"/>
             <a:ext cx="152400" cy="152400"/>
           </a:xfrm>
           <a:prstGeom prst="rect">
@@ -11641,7 +11489,7 @@
         </p:nvSpPr>
         <p:spPr>
           <a:xfrm>
-            <a:off x="4648200" y="2743200"/>
+            <a:off x="4648200" y="3048000"/>
             <a:ext cx="152400" cy="152400"/>
           </a:xfrm>
           <a:prstGeom prst="rect">
@@ -11693,7 +11541,7 @@
         </p:nvCxnSpPr>
         <p:spPr>
           <a:xfrm>
-            <a:off x="4343400" y="2743200"/>
+            <a:off x="4343400" y="3048000"/>
             <a:ext cx="304800" cy="0"/>
           </a:xfrm>
           <a:prstGeom prst="line">
@@ -11730,7 +11578,7 @@
         </p:nvSpPr>
         <p:spPr>
           <a:xfrm>
-            <a:off x="4191000" y="2590800"/>
+            <a:off x="4191000" y="2895600"/>
             <a:ext cx="457200" cy="152400"/>
           </a:xfrm>
           <a:prstGeom prst="rect">
@@ -11785,7 +11633,7 @@
         </p:nvCxnSpPr>
         <p:spPr>
           <a:xfrm>
-            <a:off x="4800600" y="2895600"/>
+            <a:off x="4800600" y="3200400"/>
             <a:ext cx="304800" cy="0"/>
           </a:xfrm>
           <a:prstGeom prst="line">
@@ -11822,7 +11670,7 @@
         </p:nvSpPr>
         <p:spPr>
           <a:xfrm rot="5400000">
-            <a:off x="4495800" y="1981200"/>
+            <a:off x="4495800" y="2286000"/>
             <a:ext cx="457200" cy="152400"/>
           </a:xfrm>
           <a:prstGeom prst="trapezoid">
@@ -11870,7 +11718,7 @@
         </p:nvSpPr>
         <p:spPr>
           <a:xfrm>
-            <a:off x="4648200" y="2057400"/>
+            <a:off x="4648200" y="2362200"/>
             <a:ext cx="152400" cy="152400"/>
           </a:xfrm>
           <a:prstGeom prst="rect">
@@ -11922,7 +11770,7 @@
         </p:nvSpPr>
         <p:spPr>
           <a:xfrm>
-            <a:off x="4648200" y="1905000"/>
+            <a:off x="4648200" y="2209800"/>
             <a:ext cx="152400" cy="152400"/>
           </a:xfrm>
           <a:prstGeom prst="rect">
@@ -11974,7 +11822,7 @@
         </p:nvCxnSpPr>
         <p:spPr>
           <a:xfrm>
-            <a:off x="4343400" y="1905000"/>
+            <a:off x="4343400" y="2209800"/>
             <a:ext cx="304800" cy="0"/>
           </a:xfrm>
           <a:prstGeom prst="line">
@@ -12011,7 +11859,7 @@
         </p:nvSpPr>
         <p:spPr>
           <a:xfrm>
-            <a:off x="4191000" y="1752600"/>
+            <a:off x="4191000" y="2057400"/>
             <a:ext cx="457200" cy="152400"/>
           </a:xfrm>
           <a:prstGeom prst="rect">
@@ -12066,7 +11914,7 @@
         </p:nvCxnSpPr>
         <p:spPr>
           <a:xfrm>
-            <a:off x="4800600" y="2057400"/>
+            <a:off x="4800600" y="2362200"/>
             <a:ext cx="304800" cy="0"/>
           </a:xfrm>
           <a:prstGeom prst="line">
@@ -12969,8 +12817,8 @@
         </p:nvCxnSpPr>
         <p:spPr>
           <a:xfrm flipV="1">
-            <a:off x="4724400" y="4800590"/>
-            <a:ext cx="0" cy="2667010"/>
+            <a:off x="4724400" y="5105400"/>
+            <a:ext cx="0" cy="2362200"/>
           </a:xfrm>
           <a:prstGeom prst="line">
             <a:avLst/>
@@ -13006,7 +12854,7 @@
         </p:nvCxnSpPr>
         <p:spPr>
           <a:xfrm flipV="1">
-            <a:off x="4724400" y="3048000"/>
+            <a:off x="4724400" y="3352800"/>
             <a:ext cx="0" cy="1447790"/>
           </a:xfrm>
           <a:prstGeom prst="line">
@@ -13043,7 +12891,7 @@
         </p:nvCxnSpPr>
         <p:spPr>
           <a:xfrm flipV="1">
-            <a:off x="4724400" y="2209800"/>
+            <a:off x="4724400" y="2514600"/>
             <a:ext cx="0" cy="533400"/>
           </a:xfrm>
           <a:prstGeom prst="line">
@@ -13202,7 +13050,7 @@
           <a:lstStyle/>
           <a:p>
             <a:r>
-              <a:rPr lang="en-US" sz="900" dirty="0" smtClean="0">
+              <a:rPr lang="en-US" sz="900" dirty="0">
                 <a:solidFill>
                   <a:srgbClr val="000000"/>
                 </a:solidFill>
@@ -13229,7 +13077,7 @@
         </p:nvCxnSpPr>
         <p:spPr>
           <a:xfrm flipV="1">
-            <a:off x="5486400" y="2819400"/>
+            <a:off x="5486400" y="3124200"/>
             <a:ext cx="152400" cy="152404"/>
           </a:xfrm>
           <a:prstGeom prst="line">
@@ -13266,7 +13114,7 @@
         </p:nvSpPr>
         <p:spPr>
           <a:xfrm>
-            <a:off x="5486401" y="2743200"/>
+            <a:off x="5486401" y="3048000"/>
             <a:ext cx="152400" cy="76200"/>
           </a:xfrm>
           <a:prstGeom prst="rect">
@@ -13319,7 +13167,7 @@
         </p:nvCxnSpPr>
         <p:spPr>
           <a:xfrm flipV="1">
-            <a:off x="5486400" y="1981200"/>
+            <a:off x="5486400" y="2286000"/>
             <a:ext cx="152400" cy="152404"/>
           </a:xfrm>
           <a:prstGeom prst="line">
@@ -13356,7 +13204,7 @@
         </p:nvSpPr>
         <p:spPr>
           <a:xfrm>
-            <a:off x="5486401" y="1905000"/>
+            <a:off x="5486401" y="2209800"/>
             <a:ext cx="152400" cy="76200"/>
           </a:xfrm>
           <a:prstGeom prst="rect">
@@ -13409,7 +13257,7 @@
         </p:nvSpPr>
         <p:spPr>
           <a:xfrm>
-            <a:off x="5715000" y="2743200"/>
+            <a:off x="5715000" y="3048000"/>
             <a:ext cx="457200" cy="152400"/>
           </a:xfrm>
           <a:prstGeom prst="rect">
@@ -13461,7 +13309,7 @@
         </p:nvSpPr>
         <p:spPr>
           <a:xfrm>
-            <a:off x="5715000" y="1905000"/>
+            <a:off x="5715000" y="2209800"/>
             <a:ext cx="457200" cy="152400"/>
           </a:xfrm>
           <a:prstGeom prst="rect">
@@ -13513,7 +13361,7 @@
         </p:nvCxnSpPr>
         <p:spPr>
           <a:xfrm flipV="1">
-            <a:off x="2819400" y="2133600"/>
+            <a:off x="2819400" y="2438400"/>
             <a:ext cx="152400" cy="152404"/>
           </a:xfrm>
           <a:prstGeom prst="line">
@@ -13550,7 +13398,7 @@
         </p:nvSpPr>
         <p:spPr>
           <a:xfrm>
-            <a:off x="2819401" y="2057400"/>
+            <a:off x="2819401" y="2362200"/>
             <a:ext cx="152400" cy="76200"/>
           </a:xfrm>
           <a:prstGeom prst="rect">
@@ -13603,7 +13451,7 @@
         </p:nvSpPr>
         <p:spPr>
           <a:xfrm>
-            <a:off x="3200400" y="2057400"/>
+            <a:off x="3200400" y="2362200"/>
             <a:ext cx="457200" cy="152400"/>
           </a:xfrm>
           <a:prstGeom prst="rect">
@@ -13894,7 +13742,7 @@
         </p:nvSpPr>
         <p:spPr>
           <a:xfrm>
-            <a:off x="2133600" y="10134613"/>
+            <a:off x="2133600" y="10134618"/>
             <a:ext cx="304800" cy="304793"/>
           </a:xfrm>
           <a:prstGeom prst="rect">
@@ -14399,7 +14247,7 @@
         </p:nvSpPr>
         <p:spPr>
           <a:xfrm>
-            <a:off x="2133600" y="10591820"/>
+            <a:off x="2133600" y="10591825"/>
             <a:ext cx="304800" cy="304793"/>
           </a:xfrm>
           <a:prstGeom prst="rect">
@@ -14718,7 +14566,7 @@
         </p:nvSpPr>
         <p:spPr>
           <a:xfrm>
-            <a:off x="1981200" y="3810010"/>
+            <a:off x="1981200" y="4114814"/>
             <a:ext cx="304800" cy="304793"/>
           </a:xfrm>
           <a:prstGeom prst="rect">
@@ -14764,7 +14612,7 @@
         </p:nvCxnSpPr>
         <p:spPr>
           <a:xfrm flipV="1">
-            <a:off x="2057401" y="4038561"/>
+            <a:off x="2057401" y="4343361"/>
             <a:ext cx="76200" cy="76200"/>
           </a:xfrm>
           <a:prstGeom prst="line">
@@ -14799,7 +14647,7 @@
         </p:nvCxnSpPr>
         <p:spPr>
           <a:xfrm flipH="1" flipV="1">
-            <a:off x="2133601" y="4038561"/>
+            <a:off x="2133601" y="4343361"/>
             <a:ext cx="76200" cy="76200"/>
           </a:xfrm>
           <a:prstGeom prst="line">
@@ -14834,7 +14682,7 @@
         </p:nvSpPr>
         <p:spPr>
           <a:xfrm>
-            <a:off x="2057400" y="3809970"/>
+            <a:off x="2057400" y="4114770"/>
             <a:ext cx="152400" cy="152400"/>
           </a:xfrm>
           <a:prstGeom prst="rect">
@@ -14887,7 +14735,7 @@
         </p:nvCxnSpPr>
         <p:spPr>
           <a:xfrm>
-            <a:off x="2286000" y="3886200"/>
+            <a:off x="2286000" y="4191000"/>
             <a:ext cx="1600200" cy="0"/>
           </a:xfrm>
           <a:prstGeom prst="line">
@@ -14924,7 +14772,7 @@
         </p:nvCxnSpPr>
         <p:spPr>
           <a:xfrm flipV="1">
-            <a:off x="2362200" y="3810000"/>
+            <a:off x="2362200" y="4114800"/>
             <a:ext cx="152400" cy="152404"/>
           </a:xfrm>
           <a:prstGeom prst="line">
@@ -14961,7 +14809,7 @@
         </p:nvSpPr>
         <p:spPr>
           <a:xfrm>
-            <a:off x="2362201" y="3733800"/>
+            <a:off x="2362201" y="4038600"/>
             <a:ext cx="152400" cy="76200"/>
           </a:xfrm>
           <a:prstGeom prst="rect">
@@ -15014,7 +14862,7 @@
         </p:nvSpPr>
         <p:spPr>
           <a:xfrm>
-            <a:off x="3276600" y="3733800"/>
+            <a:off x="3276600" y="4038600"/>
             <a:ext cx="457200" cy="152400"/>
           </a:xfrm>
           <a:prstGeom prst="rect">
@@ -15068,7 +14916,7 @@
         </p:nvCxnSpPr>
         <p:spPr>
           <a:xfrm>
-            <a:off x="762000" y="3886200"/>
+            <a:off x="762000" y="4191000"/>
             <a:ext cx="1219200" cy="0"/>
           </a:xfrm>
           <a:prstGeom prst="line">
@@ -15175,8 +15023,8 @@
         </p:nvCxnSpPr>
         <p:spPr>
           <a:xfrm>
-            <a:off x="7848600" y="2895600"/>
-            <a:ext cx="0" cy="3886210"/>
+            <a:off x="7848600" y="3200400"/>
+            <a:ext cx="0" cy="3581410"/>
           </a:xfrm>
           <a:prstGeom prst="line">
             <a:avLst/>
@@ -15747,7 +15595,7 @@
         </p:nvCxnSpPr>
         <p:spPr>
           <a:xfrm>
-            <a:off x="10439401" y="7924800"/>
+            <a:off x="10439406" y="7924800"/>
             <a:ext cx="1523999" cy="0"/>
           </a:xfrm>
           <a:prstGeom prst="line">
@@ -16217,7 +16065,7 @@
         </p:nvSpPr>
         <p:spPr>
           <a:xfrm>
-            <a:off x="14097000" y="9220240"/>
+            <a:off x="14097000" y="9220245"/>
             <a:ext cx="304800" cy="304793"/>
           </a:xfrm>
           <a:prstGeom prst="rect">
@@ -17355,7 +17203,7 @@
           <a:lstStyle/>
           <a:p>
             <a:r>
-              <a:rPr lang="en-US" sz="900" dirty="0" err="1" smtClean="0">
+              <a:rPr lang="en-US" sz="900" dirty="0" err="1">
                 <a:solidFill>
                   <a:srgbClr val="000000"/>
                 </a:solidFill>
@@ -17374,6 +17222,230 @@
           </a:p>
         </p:txBody>
       </p:sp>
+      <p:cxnSp>
+        <p:nvCxnSpPr>
+          <p:cNvPr id="342" name="Straight Connector 341"/>
+          <p:cNvCxnSpPr>
+            <a:endCxn id="758" idx="0"/>
+          </p:cNvCxnSpPr>
+          <p:nvPr/>
+        </p:nvCxnSpPr>
+        <p:spPr>
+          <a:xfrm>
+            <a:off x="8382000" y="4953000"/>
+            <a:ext cx="0" cy="381000"/>
+          </a:xfrm>
+          <a:prstGeom prst="line">
+            <a:avLst/>
+          </a:prstGeom>
+          <a:ln w="12700">
+            <a:solidFill>
+              <a:srgbClr val="000000"/>
+            </a:solidFill>
+            <a:headEnd type="oval" w="med" len="med"/>
+            <a:tailEnd type="triangle" w="med" len="med"/>
+          </a:ln>
+        </p:spPr>
+        <p:style>
+          <a:lnRef idx="1">
+            <a:schemeClr val="accent1"/>
+          </a:lnRef>
+          <a:fillRef idx="0">
+            <a:schemeClr val="accent1"/>
+          </a:fillRef>
+          <a:effectRef idx="0">
+            <a:schemeClr val="accent1"/>
+          </a:effectRef>
+          <a:fontRef idx="minor">
+            <a:schemeClr val="tx1"/>
+          </a:fontRef>
+        </p:style>
+      </p:cxnSp>
+      <p:cxnSp>
+        <p:nvCxnSpPr>
+          <p:cNvPr id="352" name="Straight Connector 351"/>
+          <p:cNvCxnSpPr/>
+          <p:nvPr/>
+        </p:nvCxnSpPr>
+        <p:spPr>
+          <a:xfrm flipH="1">
+            <a:off x="3505200" y="4495800"/>
+            <a:ext cx="6705600" cy="0"/>
+          </a:xfrm>
+          <a:prstGeom prst="line">
+            <a:avLst/>
+          </a:prstGeom>
+          <a:ln w="12700">
+            <a:solidFill>
+              <a:srgbClr val="000000"/>
+            </a:solidFill>
+            <a:headEnd type="none" w="med" len="med"/>
+            <a:tailEnd type="none" w="med" len="med"/>
+          </a:ln>
+        </p:spPr>
+        <p:style>
+          <a:lnRef idx="1">
+            <a:schemeClr val="accent1"/>
+          </a:lnRef>
+          <a:fillRef idx="0">
+            <a:schemeClr val="accent1"/>
+          </a:fillRef>
+          <a:effectRef idx="0">
+            <a:schemeClr val="accent1"/>
+          </a:effectRef>
+          <a:fontRef idx="minor">
+            <a:schemeClr val="tx1"/>
+          </a:fontRef>
+        </p:style>
+      </p:cxnSp>
+      <p:cxnSp>
+        <p:nvCxnSpPr>
+          <p:cNvPr id="353" name="Straight Connector 352"/>
+          <p:cNvCxnSpPr/>
+          <p:nvPr/>
+        </p:nvCxnSpPr>
+        <p:spPr>
+          <a:xfrm>
+            <a:off x="3505200" y="4953000"/>
+            <a:ext cx="304800" cy="0"/>
+          </a:xfrm>
+          <a:prstGeom prst="line">
+            <a:avLst/>
+          </a:prstGeom>
+          <a:ln w="12700">
+            <a:solidFill>
+              <a:srgbClr val="000000"/>
+            </a:solidFill>
+            <a:headEnd type="none" w="med" len="med"/>
+            <a:tailEnd type="none" w="med" len="med"/>
+          </a:ln>
+        </p:spPr>
+        <p:style>
+          <a:lnRef idx="1">
+            <a:schemeClr val="accent1"/>
+          </a:lnRef>
+          <a:fillRef idx="0">
+            <a:schemeClr val="accent1"/>
+          </a:fillRef>
+          <a:effectRef idx="0">
+            <a:schemeClr val="accent1"/>
+          </a:effectRef>
+          <a:fontRef idx="minor">
+            <a:schemeClr val="tx1"/>
+          </a:fontRef>
+        </p:style>
+      </p:cxnSp>
+      <p:cxnSp>
+        <p:nvCxnSpPr>
+          <p:cNvPr id="354" name="Straight Connector 353"/>
+          <p:cNvCxnSpPr/>
+          <p:nvPr/>
+        </p:nvCxnSpPr>
+        <p:spPr>
+          <a:xfrm>
+            <a:off x="3505200" y="4495800"/>
+            <a:ext cx="0" cy="457200"/>
+          </a:xfrm>
+          <a:prstGeom prst="line">
+            <a:avLst/>
+          </a:prstGeom>
+          <a:ln w="12700">
+            <a:solidFill>
+              <a:srgbClr val="000000"/>
+            </a:solidFill>
+            <a:headEnd type="none" w="med" len="med"/>
+            <a:tailEnd type="none" w="med" len="med"/>
+          </a:ln>
+        </p:spPr>
+        <p:style>
+          <a:lnRef idx="1">
+            <a:schemeClr val="accent1"/>
+          </a:lnRef>
+          <a:fillRef idx="0">
+            <a:schemeClr val="accent1"/>
+          </a:fillRef>
+          <a:effectRef idx="0">
+            <a:schemeClr val="accent1"/>
+          </a:effectRef>
+          <a:fontRef idx="minor">
+            <a:schemeClr val="tx1"/>
+          </a:fontRef>
+        </p:style>
+      </p:cxnSp>
+      <p:cxnSp>
+        <p:nvCxnSpPr>
+          <p:cNvPr id="356" name="Straight Connector 355"/>
+          <p:cNvCxnSpPr/>
+          <p:nvPr/>
+        </p:nvCxnSpPr>
+        <p:spPr>
+          <a:xfrm>
+            <a:off x="9906000" y="2362200"/>
+            <a:ext cx="0" cy="2590772"/>
+          </a:xfrm>
+          <a:prstGeom prst="line">
+            <a:avLst/>
+          </a:prstGeom>
+          <a:ln w="12700">
+            <a:solidFill>
+              <a:srgbClr val="000000"/>
+            </a:solidFill>
+            <a:headEnd type="oval" w="med" len="med"/>
+            <a:tailEnd type="none" w="med" len="med"/>
+          </a:ln>
+        </p:spPr>
+        <p:style>
+          <a:lnRef idx="1">
+            <a:schemeClr val="accent1"/>
+          </a:lnRef>
+          <a:fillRef idx="0">
+            <a:schemeClr val="accent1"/>
+          </a:fillRef>
+          <a:effectRef idx="0">
+            <a:schemeClr val="accent1"/>
+          </a:effectRef>
+          <a:fontRef idx="minor">
+            <a:schemeClr val="tx1"/>
+          </a:fontRef>
+        </p:style>
+      </p:cxnSp>
+      <p:cxnSp>
+        <p:nvCxnSpPr>
+          <p:cNvPr id="373" name="Straight Connector 372"/>
+          <p:cNvCxnSpPr/>
+          <p:nvPr/>
+        </p:nvCxnSpPr>
+        <p:spPr>
+          <a:xfrm flipH="1">
+            <a:off x="6858000" y="4495800"/>
+            <a:ext cx="152400" cy="0"/>
+          </a:xfrm>
+          <a:prstGeom prst="line">
+            <a:avLst/>
+          </a:prstGeom>
+          <a:ln w="12700">
+            <a:solidFill>
+              <a:srgbClr val="000000"/>
+            </a:solidFill>
+            <a:headEnd type="none" w="med" len="med"/>
+            <a:tailEnd type="triangle" w="med" len="med"/>
+          </a:ln>
+        </p:spPr>
+        <p:style>
+          <a:lnRef idx="1">
+            <a:schemeClr val="accent1"/>
+          </a:lnRef>
+          <a:fillRef idx="0">
+            <a:schemeClr val="accent1"/>
+          </a:fillRef>
+          <a:effectRef idx="0">
+            <a:schemeClr val="accent1"/>
+          </a:effectRef>
+          <a:fontRef idx="minor">
+            <a:schemeClr val="tx1"/>
+          </a:fontRef>
+        </p:style>
+      </p:cxnSp>
     </p:spTree>
     <p:extLst>
       <p:ext uri="{BB962C8B-B14F-4D97-AF65-F5344CB8AC3E}">
